--- a/templates/Super Mario.pptx
+++ b/templates/Super Mario.pptx
@@ -106,6 +106,11 @@
       </a:defRPr>
     </a:lvl9pPr>
   </p:defaultTextStyle>
+  <p:extLst>
+    <p:ext uri="{EFAFB233-063F-42B5-8137-9DF3F51BA10A}">
+      <p15:sldGuideLst xmlns:p15="http://schemas.microsoft.com/office/powerpoint/2012/main"/>
+    </p:ext>
+  </p:extLst>
 </p:presentation>
 </file>
 
@@ -280,7 +285,7 @@
               <a:defRPr/>
             </a:pPr>
             <a:r>
-              <a:rPr kumimoji="0" lang="en-US" altLang="en-US" sz="4800" b="0" i="0" u="none" strike="noStrike" kern="1200" cap="none" spc="0" normalizeH="0" baseline="0" noProof="0" dirty="0" smtClean="0">
+              <a:rPr kumimoji="0" lang="en-US" altLang="en-US" sz="4800" b="0" i="0" u="none" strike="noStrike" kern="1200" cap="none" spc="0" normalizeH="0" baseline="0" noProof="0" dirty="0">
                 <a:ln>
                   <a:noFill/>
                 </a:ln>
@@ -377,10 +382,9 @@
           </a:lstStyle>
           <a:p>
             <a:r>
-              <a:rPr lang="en-US" dirty="0" smtClean="0"/>
+              <a:rPr lang="en-US" dirty="0"/>
               <a:t>Click to edit Master subtitle style</a:t>
             </a:r>
-            <a:endParaRPr lang="en-US" dirty="0"/>
           </a:p>
         </p:txBody>
       </p:sp>
@@ -401,7 +405,7 @@
           <a:p>
             <a:fld id="{9CF5CD90-02D5-42B5-9671-27390D51D186}" type="datetimeFigureOut">
               <a:rPr lang="en-US" smtClean="0"/>
-              <a:t>2/1/2015</a:t>
+              <a:t>1/9/19</a:t>
             </a:fld>
             <a:endParaRPr lang="en-US"/>
           </a:p>
@@ -463,6 +467,658 @@
 </file>
 
 <file path=ppt/slideLayouts/slideLayout10.xml><?xml version="1.0" encoding="utf-8"?>
+<p:sldLayout xmlns:a="http://schemas.openxmlformats.org/drawingml/2006/main" xmlns:r="http://schemas.openxmlformats.org/officeDocument/2006/relationships" xmlns:p="http://schemas.openxmlformats.org/presentationml/2006/main" type="titleOnly" preserve="1">
+  <p:cSld name="Title Only">
+    <p:spTree>
+      <p:nvGrpSpPr>
+        <p:cNvPr id="1" name=""/>
+        <p:cNvGrpSpPr/>
+        <p:nvPr/>
+      </p:nvGrpSpPr>
+      <p:grpSpPr>
+        <a:xfrm>
+          <a:off x="0" y="0"/>
+          <a:ext cx="0" cy="0"/>
+          <a:chOff x="0" y="0"/>
+          <a:chExt cx="0" cy="0"/>
+        </a:xfrm>
+      </p:grpSpPr>
+      <p:sp>
+        <p:nvSpPr>
+          <p:cNvPr id="2" name="Title 1"/>
+          <p:cNvSpPr>
+            <a:spLocks noGrp="1"/>
+          </p:cNvSpPr>
+          <p:nvPr>
+            <p:ph type="title"/>
+          </p:nvPr>
+        </p:nvSpPr>
+        <p:spPr/>
+        <p:txBody>
+          <a:bodyPr/>
+          <a:lstStyle/>
+          <a:p>
+            <a:r>
+              <a:rPr lang="en-US"/>
+              <a:t>Click to edit Master title style</a:t>
+            </a:r>
+            <a:endParaRPr lang="en-US" dirty="0"/>
+          </a:p>
+        </p:txBody>
+      </p:sp>
+      <p:sp>
+        <p:nvSpPr>
+          <p:cNvPr id="3" name="Date Placeholder 2"/>
+          <p:cNvSpPr>
+            <a:spLocks noGrp="1"/>
+          </p:cNvSpPr>
+          <p:nvPr>
+            <p:ph type="dt" sz="half" idx="10"/>
+          </p:nvPr>
+        </p:nvSpPr>
+        <p:spPr/>
+        <p:txBody>
+          <a:bodyPr/>
+          <a:lstStyle/>
+          <a:p>
+            <a:fld id="{9CF5CD90-02D5-42B5-9671-27390D51D186}" type="datetimeFigureOut">
+              <a:rPr lang="en-US" smtClean="0"/>
+              <a:t>1/9/19</a:t>
+            </a:fld>
+            <a:endParaRPr lang="en-US"/>
+          </a:p>
+        </p:txBody>
+      </p:sp>
+      <p:sp>
+        <p:nvSpPr>
+          <p:cNvPr id="4" name="Footer Placeholder 3"/>
+          <p:cNvSpPr>
+            <a:spLocks noGrp="1"/>
+          </p:cNvSpPr>
+          <p:nvPr>
+            <p:ph type="ftr" sz="quarter" idx="11"/>
+          </p:nvPr>
+        </p:nvSpPr>
+        <p:spPr/>
+        <p:txBody>
+          <a:bodyPr/>
+          <a:lstStyle/>
+          <a:p>
+            <a:endParaRPr lang="en-US"/>
+          </a:p>
+        </p:txBody>
+      </p:sp>
+      <p:sp>
+        <p:nvSpPr>
+          <p:cNvPr id="5" name="Slide Number Placeholder 4"/>
+          <p:cNvSpPr>
+            <a:spLocks noGrp="1"/>
+          </p:cNvSpPr>
+          <p:nvPr>
+            <p:ph type="sldNum" sz="quarter" idx="12"/>
+          </p:nvPr>
+        </p:nvSpPr>
+        <p:spPr/>
+        <p:txBody>
+          <a:bodyPr/>
+          <a:lstStyle/>
+          <a:p>
+            <a:fld id="{42E042FC-BE89-4002-A595-47B9A1F4C487}" type="slidenum">
+              <a:rPr lang="en-US" smtClean="0"/>
+              <a:t>‹#›</a:t>
+            </a:fld>
+            <a:endParaRPr lang="en-US"/>
+          </a:p>
+        </p:txBody>
+      </p:sp>
+    </p:spTree>
+    <p:extLst>
+      <p:ext uri="{BB962C8B-B14F-4D97-AF65-F5344CB8AC3E}">
+        <p14:creationId xmlns:p14="http://schemas.microsoft.com/office/powerpoint/2010/main" val="1435250039"/>
+      </p:ext>
+    </p:extLst>
+  </p:cSld>
+  <p:clrMapOvr>
+    <a:masterClrMapping/>
+  </p:clrMapOvr>
+</p:sldLayout>
+</file>
+
+<file path=ppt/slideLayouts/slideLayout11.xml><?xml version="1.0" encoding="utf-8"?>
+<p:sldLayout xmlns:a="http://schemas.openxmlformats.org/drawingml/2006/main" xmlns:r="http://schemas.openxmlformats.org/officeDocument/2006/relationships" xmlns:p="http://schemas.openxmlformats.org/presentationml/2006/main" type="objTx" preserve="1">
+  <p:cSld name="Content with Caption">
+    <p:spTree>
+      <p:nvGrpSpPr>
+        <p:cNvPr id="1" name=""/>
+        <p:cNvGrpSpPr/>
+        <p:nvPr/>
+      </p:nvGrpSpPr>
+      <p:grpSpPr>
+        <a:xfrm>
+          <a:off x="0" y="0"/>
+          <a:ext cx="0" cy="0"/>
+          <a:chOff x="0" y="0"/>
+          <a:chExt cx="0" cy="0"/>
+        </a:xfrm>
+      </p:grpSpPr>
+      <p:sp>
+        <p:nvSpPr>
+          <p:cNvPr id="2" name="Title 1"/>
+          <p:cNvSpPr>
+            <a:spLocks noGrp="1"/>
+          </p:cNvSpPr>
+          <p:nvPr>
+            <p:ph type="title"/>
+          </p:nvPr>
+        </p:nvSpPr>
+        <p:spPr>
+          <a:xfrm>
+            <a:off x="629841" y="457200"/>
+            <a:ext cx="2949178" cy="1600200"/>
+          </a:xfrm>
+        </p:spPr>
+        <p:txBody>
+          <a:bodyPr anchor="b"/>
+          <a:lstStyle>
+            <a:lvl1pPr>
+              <a:defRPr sz="3200"/>
+            </a:lvl1pPr>
+          </a:lstStyle>
+          <a:p>
+            <a:r>
+              <a:rPr lang="en-US"/>
+              <a:t>Click to edit Master title style</a:t>
+            </a:r>
+            <a:endParaRPr lang="en-US" dirty="0"/>
+          </a:p>
+        </p:txBody>
+      </p:sp>
+      <p:sp>
+        <p:nvSpPr>
+          <p:cNvPr id="3" name="Content Placeholder 2"/>
+          <p:cNvSpPr>
+            <a:spLocks noGrp="1"/>
+          </p:cNvSpPr>
+          <p:nvPr>
+            <p:ph idx="1"/>
+          </p:nvPr>
+        </p:nvSpPr>
+        <p:spPr>
+          <a:xfrm>
+            <a:off x="3887391" y="987426"/>
+            <a:ext cx="4629150" cy="4873625"/>
+          </a:xfrm>
+        </p:spPr>
+        <p:txBody>
+          <a:bodyPr/>
+          <a:lstStyle>
+            <a:lvl1pPr>
+              <a:defRPr sz="3200"/>
+            </a:lvl1pPr>
+            <a:lvl2pPr>
+              <a:defRPr sz="2800"/>
+            </a:lvl2pPr>
+            <a:lvl3pPr>
+              <a:defRPr sz="2400"/>
+            </a:lvl3pPr>
+            <a:lvl4pPr>
+              <a:defRPr sz="2000"/>
+            </a:lvl4pPr>
+            <a:lvl5pPr>
+              <a:defRPr sz="2000"/>
+            </a:lvl5pPr>
+            <a:lvl6pPr>
+              <a:defRPr sz="2000"/>
+            </a:lvl6pPr>
+            <a:lvl7pPr>
+              <a:defRPr sz="2000"/>
+            </a:lvl7pPr>
+            <a:lvl8pPr>
+              <a:defRPr sz="2000"/>
+            </a:lvl8pPr>
+            <a:lvl9pPr>
+              <a:defRPr sz="2000"/>
+            </a:lvl9pPr>
+          </a:lstStyle>
+          <a:p>
+            <a:pPr lvl="0"/>
+            <a:r>
+              <a:rPr lang="en-US"/>
+              <a:t>Click to edit Master text styles</a:t>
+            </a:r>
+          </a:p>
+          <a:p>
+            <a:pPr lvl="1"/>
+            <a:r>
+              <a:rPr lang="en-US"/>
+              <a:t>Second level</a:t>
+            </a:r>
+          </a:p>
+          <a:p>
+            <a:pPr lvl="2"/>
+            <a:r>
+              <a:rPr lang="en-US"/>
+              <a:t>Third level</a:t>
+            </a:r>
+          </a:p>
+          <a:p>
+            <a:pPr lvl="3"/>
+            <a:r>
+              <a:rPr lang="en-US"/>
+              <a:t>Fourth level</a:t>
+            </a:r>
+          </a:p>
+          <a:p>
+            <a:pPr lvl="4"/>
+            <a:r>
+              <a:rPr lang="en-US"/>
+              <a:t>Fifth level</a:t>
+            </a:r>
+            <a:endParaRPr lang="en-US" dirty="0"/>
+          </a:p>
+        </p:txBody>
+      </p:sp>
+      <p:sp>
+        <p:nvSpPr>
+          <p:cNvPr id="4" name="Text Placeholder 3"/>
+          <p:cNvSpPr>
+            <a:spLocks noGrp="1"/>
+          </p:cNvSpPr>
+          <p:nvPr>
+            <p:ph type="body" sz="half" idx="2"/>
+          </p:nvPr>
+        </p:nvSpPr>
+        <p:spPr>
+          <a:xfrm>
+            <a:off x="629841" y="2057400"/>
+            <a:ext cx="2949178" cy="3811588"/>
+          </a:xfrm>
+        </p:spPr>
+        <p:txBody>
+          <a:bodyPr/>
+          <a:lstStyle>
+            <a:lvl1pPr marL="0" indent="0">
+              <a:buNone/>
+              <a:defRPr sz="1600"/>
+            </a:lvl1pPr>
+            <a:lvl2pPr marL="457200" indent="0">
+              <a:buNone/>
+              <a:defRPr sz="1400"/>
+            </a:lvl2pPr>
+            <a:lvl3pPr marL="914400" indent="0">
+              <a:buNone/>
+              <a:defRPr sz="1200"/>
+            </a:lvl3pPr>
+            <a:lvl4pPr marL="1371600" indent="0">
+              <a:buNone/>
+              <a:defRPr sz="1000"/>
+            </a:lvl4pPr>
+            <a:lvl5pPr marL="1828800" indent="0">
+              <a:buNone/>
+              <a:defRPr sz="1000"/>
+            </a:lvl5pPr>
+            <a:lvl6pPr marL="2286000" indent="0">
+              <a:buNone/>
+              <a:defRPr sz="1000"/>
+            </a:lvl6pPr>
+            <a:lvl7pPr marL="2743200" indent="0">
+              <a:buNone/>
+              <a:defRPr sz="1000"/>
+            </a:lvl7pPr>
+            <a:lvl8pPr marL="3200400" indent="0">
+              <a:buNone/>
+              <a:defRPr sz="1000"/>
+            </a:lvl8pPr>
+            <a:lvl9pPr marL="3657600" indent="0">
+              <a:buNone/>
+              <a:defRPr sz="1000"/>
+            </a:lvl9pPr>
+          </a:lstStyle>
+          <a:p>
+            <a:pPr lvl="0"/>
+            <a:r>
+              <a:rPr lang="en-US"/>
+              <a:t>Click to edit Master text styles</a:t>
+            </a:r>
+          </a:p>
+        </p:txBody>
+      </p:sp>
+      <p:sp>
+        <p:nvSpPr>
+          <p:cNvPr id="5" name="Date Placeholder 4"/>
+          <p:cNvSpPr>
+            <a:spLocks noGrp="1"/>
+          </p:cNvSpPr>
+          <p:nvPr>
+            <p:ph type="dt" sz="half" idx="10"/>
+          </p:nvPr>
+        </p:nvSpPr>
+        <p:spPr/>
+        <p:txBody>
+          <a:bodyPr/>
+          <a:lstStyle/>
+          <a:p>
+            <a:fld id="{9CF5CD90-02D5-42B5-9671-27390D51D186}" type="datetimeFigureOut">
+              <a:rPr lang="en-US" smtClean="0"/>
+              <a:t>1/9/19</a:t>
+            </a:fld>
+            <a:endParaRPr lang="en-US"/>
+          </a:p>
+        </p:txBody>
+      </p:sp>
+      <p:sp>
+        <p:nvSpPr>
+          <p:cNvPr id="6" name="Footer Placeholder 5"/>
+          <p:cNvSpPr>
+            <a:spLocks noGrp="1"/>
+          </p:cNvSpPr>
+          <p:nvPr>
+            <p:ph type="ftr" sz="quarter" idx="11"/>
+          </p:nvPr>
+        </p:nvSpPr>
+        <p:spPr/>
+        <p:txBody>
+          <a:bodyPr/>
+          <a:lstStyle/>
+          <a:p>
+            <a:endParaRPr lang="en-US"/>
+          </a:p>
+        </p:txBody>
+      </p:sp>
+      <p:sp>
+        <p:nvSpPr>
+          <p:cNvPr id="7" name="Slide Number Placeholder 6"/>
+          <p:cNvSpPr>
+            <a:spLocks noGrp="1"/>
+          </p:cNvSpPr>
+          <p:nvPr>
+            <p:ph type="sldNum" sz="quarter" idx="12"/>
+          </p:nvPr>
+        </p:nvSpPr>
+        <p:spPr/>
+        <p:txBody>
+          <a:bodyPr/>
+          <a:lstStyle/>
+          <a:p>
+            <a:fld id="{42E042FC-BE89-4002-A595-47B9A1F4C487}" type="slidenum">
+              <a:rPr lang="en-US" smtClean="0"/>
+              <a:t>‹#›</a:t>
+            </a:fld>
+            <a:endParaRPr lang="en-US"/>
+          </a:p>
+        </p:txBody>
+      </p:sp>
+    </p:spTree>
+    <p:extLst>
+      <p:ext uri="{BB962C8B-B14F-4D97-AF65-F5344CB8AC3E}">
+        <p14:creationId xmlns:p14="http://schemas.microsoft.com/office/powerpoint/2010/main" val="355243107"/>
+      </p:ext>
+    </p:extLst>
+  </p:cSld>
+  <p:clrMapOvr>
+    <a:masterClrMapping/>
+  </p:clrMapOvr>
+</p:sldLayout>
+</file>
+
+<file path=ppt/slideLayouts/slideLayout12.xml><?xml version="1.0" encoding="utf-8"?>
+<p:sldLayout xmlns:a="http://schemas.openxmlformats.org/drawingml/2006/main" xmlns:r="http://schemas.openxmlformats.org/officeDocument/2006/relationships" xmlns:p="http://schemas.openxmlformats.org/presentationml/2006/main" type="picTx" preserve="1">
+  <p:cSld name="Picture with Caption">
+    <p:spTree>
+      <p:nvGrpSpPr>
+        <p:cNvPr id="1" name=""/>
+        <p:cNvGrpSpPr/>
+        <p:nvPr/>
+      </p:nvGrpSpPr>
+      <p:grpSpPr>
+        <a:xfrm>
+          <a:off x="0" y="0"/>
+          <a:ext cx="0" cy="0"/>
+          <a:chOff x="0" y="0"/>
+          <a:chExt cx="0" cy="0"/>
+        </a:xfrm>
+      </p:grpSpPr>
+      <p:sp>
+        <p:nvSpPr>
+          <p:cNvPr id="2" name="Title 1"/>
+          <p:cNvSpPr>
+            <a:spLocks noGrp="1"/>
+          </p:cNvSpPr>
+          <p:nvPr>
+            <p:ph type="title"/>
+          </p:nvPr>
+        </p:nvSpPr>
+        <p:spPr>
+          <a:xfrm>
+            <a:off x="629841" y="457200"/>
+            <a:ext cx="2949178" cy="1600200"/>
+          </a:xfrm>
+        </p:spPr>
+        <p:txBody>
+          <a:bodyPr anchor="b"/>
+          <a:lstStyle>
+            <a:lvl1pPr>
+              <a:defRPr sz="3200"/>
+            </a:lvl1pPr>
+          </a:lstStyle>
+          <a:p>
+            <a:r>
+              <a:rPr lang="en-US"/>
+              <a:t>Click to edit Master title style</a:t>
+            </a:r>
+            <a:endParaRPr lang="en-US" dirty="0"/>
+          </a:p>
+        </p:txBody>
+      </p:sp>
+      <p:sp>
+        <p:nvSpPr>
+          <p:cNvPr id="3" name="Picture Placeholder 2"/>
+          <p:cNvSpPr>
+            <a:spLocks noGrp="1" noChangeAspect="1"/>
+          </p:cNvSpPr>
+          <p:nvPr>
+            <p:ph type="pic" idx="1"/>
+          </p:nvPr>
+        </p:nvSpPr>
+        <p:spPr>
+          <a:xfrm>
+            <a:off x="3887391" y="987426"/>
+            <a:ext cx="4629150" cy="4873625"/>
+          </a:xfrm>
+        </p:spPr>
+        <p:txBody>
+          <a:bodyPr anchor="t"/>
+          <a:lstStyle>
+            <a:lvl1pPr marL="0" indent="0">
+              <a:buNone/>
+              <a:defRPr sz="3200"/>
+            </a:lvl1pPr>
+            <a:lvl2pPr marL="457200" indent="0">
+              <a:buNone/>
+              <a:defRPr sz="2800"/>
+            </a:lvl2pPr>
+            <a:lvl3pPr marL="914400" indent="0">
+              <a:buNone/>
+              <a:defRPr sz="2400"/>
+            </a:lvl3pPr>
+            <a:lvl4pPr marL="1371600" indent="0">
+              <a:buNone/>
+              <a:defRPr sz="2000"/>
+            </a:lvl4pPr>
+            <a:lvl5pPr marL="1828800" indent="0">
+              <a:buNone/>
+              <a:defRPr sz="2000"/>
+            </a:lvl5pPr>
+            <a:lvl6pPr marL="2286000" indent="0">
+              <a:buNone/>
+              <a:defRPr sz="2000"/>
+            </a:lvl6pPr>
+            <a:lvl7pPr marL="2743200" indent="0">
+              <a:buNone/>
+              <a:defRPr sz="2000"/>
+            </a:lvl7pPr>
+            <a:lvl8pPr marL="3200400" indent="0">
+              <a:buNone/>
+              <a:defRPr sz="2000"/>
+            </a:lvl8pPr>
+            <a:lvl9pPr marL="3657600" indent="0">
+              <a:buNone/>
+              <a:defRPr sz="2000"/>
+            </a:lvl9pPr>
+          </a:lstStyle>
+          <a:p>
+            <a:r>
+              <a:rPr lang="en-US"/>
+              <a:t>Click icon to add picture</a:t>
+            </a:r>
+            <a:endParaRPr lang="en-US" dirty="0"/>
+          </a:p>
+        </p:txBody>
+      </p:sp>
+      <p:sp>
+        <p:nvSpPr>
+          <p:cNvPr id="4" name="Text Placeholder 3"/>
+          <p:cNvSpPr>
+            <a:spLocks noGrp="1"/>
+          </p:cNvSpPr>
+          <p:nvPr>
+            <p:ph type="body" sz="half" idx="2"/>
+          </p:nvPr>
+        </p:nvSpPr>
+        <p:spPr>
+          <a:xfrm>
+            <a:off x="629841" y="2057400"/>
+            <a:ext cx="2949178" cy="3811588"/>
+          </a:xfrm>
+        </p:spPr>
+        <p:txBody>
+          <a:bodyPr/>
+          <a:lstStyle>
+            <a:lvl1pPr marL="0" indent="0">
+              <a:buNone/>
+              <a:defRPr sz="1600"/>
+            </a:lvl1pPr>
+            <a:lvl2pPr marL="457200" indent="0">
+              <a:buNone/>
+              <a:defRPr sz="1400"/>
+            </a:lvl2pPr>
+            <a:lvl3pPr marL="914400" indent="0">
+              <a:buNone/>
+              <a:defRPr sz="1200"/>
+            </a:lvl3pPr>
+            <a:lvl4pPr marL="1371600" indent="0">
+              <a:buNone/>
+              <a:defRPr sz="1000"/>
+            </a:lvl4pPr>
+            <a:lvl5pPr marL="1828800" indent="0">
+              <a:buNone/>
+              <a:defRPr sz="1000"/>
+            </a:lvl5pPr>
+            <a:lvl6pPr marL="2286000" indent="0">
+              <a:buNone/>
+              <a:defRPr sz="1000"/>
+            </a:lvl6pPr>
+            <a:lvl7pPr marL="2743200" indent="0">
+              <a:buNone/>
+              <a:defRPr sz="1000"/>
+            </a:lvl7pPr>
+            <a:lvl8pPr marL="3200400" indent="0">
+              <a:buNone/>
+              <a:defRPr sz="1000"/>
+            </a:lvl8pPr>
+            <a:lvl9pPr marL="3657600" indent="0">
+              <a:buNone/>
+              <a:defRPr sz="1000"/>
+            </a:lvl9pPr>
+          </a:lstStyle>
+          <a:p>
+            <a:pPr lvl="0"/>
+            <a:r>
+              <a:rPr lang="en-US"/>
+              <a:t>Click to edit Master text styles</a:t>
+            </a:r>
+          </a:p>
+        </p:txBody>
+      </p:sp>
+      <p:sp>
+        <p:nvSpPr>
+          <p:cNvPr id="5" name="Date Placeholder 4"/>
+          <p:cNvSpPr>
+            <a:spLocks noGrp="1"/>
+          </p:cNvSpPr>
+          <p:nvPr>
+            <p:ph type="dt" sz="half" idx="10"/>
+          </p:nvPr>
+        </p:nvSpPr>
+        <p:spPr/>
+        <p:txBody>
+          <a:bodyPr/>
+          <a:lstStyle/>
+          <a:p>
+            <a:fld id="{9CF5CD90-02D5-42B5-9671-27390D51D186}" type="datetimeFigureOut">
+              <a:rPr lang="en-US" smtClean="0"/>
+              <a:t>1/9/19</a:t>
+            </a:fld>
+            <a:endParaRPr lang="en-US"/>
+          </a:p>
+        </p:txBody>
+      </p:sp>
+      <p:sp>
+        <p:nvSpPr>
+          <p:cNvPr id="6" name="Footer Placeholder 5"/>
+          <p:cNvSpPr>
+            <a:spLocks noGrp="1"/>
+          </p:cNvSpPr>
+          <p:nvPr>
+            <p:ph type="ftr" sz="quarter" idx="11"/>
+          </p:nvPr>
+        </p:nvSpPr>
+        <p:spPr/>
+        <p:txBody>
+          <a:bodyPr/>
+          <a:lstStyle/>
+          <a:p>
+            <a:endParaRPr lang="en-US"/>
+          </a:p>
+        </p:txBody>
+      </p:sp>
+      <p:sp>
+        <p:nvSpPr>
+          <p:cNvPr id="7" name="Slide Number Placeholder 6"/>
+          <p:cNvSpPr>
+            <a:spLocks noGrp="1"/>
+          </p:cNvSpPr>
+          <p:nvPr>
+            <p:ph type="sldNum" sz="quarter" idx="12"/>
+          </p:nvPr>
+        </p:nvSpPr>
+        <p:spPr/>
+        <p:txBody>
+          <a:bodyPr/>
+          <a:lstStyle/>
+          <a:p>
+            <a:fld id="{42E042FC-BE89-4002-A595-47B9A1F4C487}" type="slidenum">
+              <a:rPr lang="en-US" smtClean="0"/>
+              <a:t>‹#›</a:t>
+            </a:fld>
+            <a:endParaRPr lang="en-US"/>
+          </a:p>
+        </p:txBody>
+      </p:sp>
+    </p:spTree>
+    <p:extLst>
+      <p:ext uri="{BB962C8B-B14F-4D97-AF65-F5344CB8AC3E}">
+        <p14:creationId xmlns:p14="http://schemas.microsoft.com/office/powerpoint/2010/main" val="2743542693"/>
+      </p:ext>
+    </p:extLst>
+  </p:cSld>
+  <p:clrMapOvr>
+    <a:masterClrMapping/>
+  </p:clrMapOvr>
+</p:sldLayout>
+</file>
+
+<file path=ppt/slideLayouts/slideLayout13.xml><?xml version="1.0" encoding="utf-8"?>
 <p:sldLayout xmlns:a="http://schemas.openxmlformats.org/drawingml/2006/main" xmlns:r="http://schemas.openxmlformats.org/officeDocument/2006/relationships" xmlns:p="http://schemas.openxmlformats.org/presentationml/2006/main" type="vertTx" preserve="1">
   <p:cSld name="Title and Vertical Text">
     <p:spTree>
@@ -495,7 +1151,7 @@
           <a:lstStyle/>
           <a:p>
             <a:r>
-              <a:rPr lang="en-US" smtClean="0"/>
+              <a:rPr lang="en-US"/>
               <a:t>Click to edit Master title style</a:t>
             </a:r>
             <a:endParaRPr lang="en-US" dirty="0"/>
@@ -519,35 +1175,35 @@
           <a:p>
             <a:pPr lvl="0"/>
             <a:r>
-              <a:rPr lang="en-US" smtClean="0"/>
+              <a:rPr lang="en-US"/>
               <a:t>Click to edit Master text styles</a:t>
             </a:r>
           </a:p>
           <a:p>
             <a:pPr lvl="1"/>
             <a:r>
-              <a:rPr lang="en-US" smtClean="0"/>
+              <a:rPr lang="en-US"/>
               <a:t>Second level</a:t>
             </a:r>
           </a:p>
           <a:p>
             <a:pPr lvl="2"/>
             <a:r>
-              <a:rPr lang="en-US" smtClean="0"/>
+              <a:rPr lang="en-US"/>
               <a:t>Third level</a:t>
             </a:r>
           </a:p>
           <a:p>
             <a:pPr lvl="3"/>
             <a:r>
-              <a:rPr lang="en-US" smtClean="0"/>
+              <a:rPr lang="en-US"/>
               <a:t>Fourth level</a:t>
             </a:r>
           </a:p>
           <a:p>
             <a:pPr lvl="4"/>
             <a:r>
-              <a:rPr lang="en-US" smtClean="0"/>
+              <a:rPr lang="en-US"/>
               <a:t>Fifth level</a:t>
             </a:r>
             <a:endParaRPr lang="en-US" dirty="0"/>
@@ -571,7 +1227,7 @@
           <a:p>
             <a:fld id="{9CF5CD90-02D5-42B5-9671-27390D51D186}" type="datetimeFigureOut">
               <a:rPr lang="en-US" smtClean="0"/>
-              <a:t>2/1/2015</a:t>
+              <a:t>1/9/19</a:t>
             </a:fld>
             <a:endParaRPr lang="en-US"/>
           </a:p>
@@ -632,7 +1288,7 @@
 </p:sldLayout>
 </file>
 
-<file path=ppt/slideLayouts/slideLayout11.xml><?xml version="1.0" encoding="utf-8"?>
+<file path=ppt/slideLayouts/slideLayout14.xml><?xml version="1.0" encoding="utf-8"?>
 <p:sldLayout xmlns:a="http://schemas.openxmlformats.org/drawingml/2006/main" xmlns:r="http://schemas.openxmlformats.org/officeDocument/2006/relationships" xmlns:p="http://schemas.openxmlformats.org/presentationml/2006/main" type="vertTitleAndTx" preserve="1">
   <p:cSld name="Vertical Title and Text">
     <p:spTree>
@@ -670,7 +1326,7 @@
           <a:lstStyle/>
           <a:p>
             <a:r>
-              <a:rPr lang="en-US" smtClean="0"/>
+              <a:rPr lang="en-US"/>
               <a:t>Click to edit Master title style</a:t>
             </a:r>
             <a:endParaRPr lang="en-US" dirty="0"/>
@@ -699,35 +1355,35 @@
           <a:p>
             <a:pPr lvl="0"/>
             <a:r>
-              <a:rPr lang="en-US" smtClean="0"/>
+              <a:rPr lang="en-US"/>
               <a:t>Click to edit Master text styles</a:t>
             </a:r>
           </a:p>
           <a:p>
             <a:pPr lvl="1"/>
             <a:r>
-              <a:rPr lang="en-US" smtClean="0"/>
+              <a:rPr lang="en-US"/>
               <a:t>Second level</a:t>
             </a:r>
           </a:p>
           <a:p>
             <a:pPr lvl="2"/>
             <a:r>
-              <a:rPr lang="en-US" smtClean="0"/>
+              <a:rPr lang="en-US"/>
               <a:t>Third level</a:t>
             </a:r>
           </a:p>
           <a:p>
             <a:pPr lvl="3"/>
             <a:r>
-              <a:rPr lang="en-US" smtClean="0"/>
+              <a:rPr lang="en-US"/>
               <a:t>Fourth level</a:t>
             </a:r>
           </a:p>
           <a:p>
             <a:pPr lvl="4"/>
             <a:r>
-              <a:rPr lang="en-US" smtClean="0"/>
+              <a:rPr lang="en-US"/>
               <a:t>Fifth level</a:t>
             </a:r>
             <a:endParaRPr lang="en-US" dirty="0"/>
@@ -751,7 +1407,7 @@
           <a:p>
             <a:fld id="{9CF5CD90-02D5-42B5-9671-27390D51D186}" type="datetimeFigureOut">
               <a:rPr lang="en-US" smtClean="0"/>
-              <a:t>2/1/2015</a:t>
+              <a:t>1/9/19</a:t>
             </a:fld>
             <a:endParaRPr lang="en-US"/>
           </a:p>
@@ -813,6 +1469,1409 @@
 </file>
 
 <file path=ppt/slideLayouts/slideLayout2.xml><?xml version="1.0" encoding="utf-8"?>
+<p:sldLayout xmlns:a="http://schemas.openxmlformats.org/drawingml/2006/main" xmlns:r="http://schemas.openxmlformats.org/officeDocument/2006/relationships" xmlns:p="http://schemas.openxmlformats.org/presentationml/2006/main" type="obj" preserve="1">
+  <p:cSld name="mario1_layout">
+    <p:spTree>
+      <p:nvGrpSpPr>
+        <p:cNvPr id="1" name=""/>
+        <p:cNvGrpSpPr/>
+        <p:nvPr/>
+      </p:nvGrpSpPr>
+      <p:grpSpPr>
+        <a:xfrm>
+          <a:off x="0" y="0"/>
+          <a:ext cx="0" cy="0"/>
+          <a:chOff x="0" y="0"/>
+          <a:chExt cx="0" cy="0"/>
+        </a:xfrm>
+      </p:grpSpPr>
+      <p:pic>
+        <p:nvPicPr>
+          <p:cNvPr id="10" name="Picture 9">
+            <a:extLst>
+              <a:ext uri="{FF2B5EF4-FFF2-40B4-BE49-F238E27FC236}">
+                <a16:creationId xmlns:a16="http://schemas.microsoft.com/office/drawing/2014/main" id="{CA4A4F6D-0C97-4F4F-8674-450E113C65AA}"/>
+              </a:ext>
+            </a:extLst>
+          </p:cNvPr>
+          <p:cNvPicPr>
+            <a:picLocks noChangeAspect="1"/>
+          </p:cNvPicPr>
+          <p:nvPr userDrawn="1"/>
+        </p:nvPicPr>
+        <p:blipFill>
+          <a:blip r:embed="rId2">
+            <a:extLst>
+              <a:ext uri="{28A0092B-C50C-407E-A947-70E740481C1C}">
+                <a14:useLocalDpi xmlns:a14="http://schemas.microsoft.com/office/drawing/2010/main" val="0"/>
+              </a:ext>
+            </a:extLst>
+          </a:blip>
+          <a:stretch>
+            <a:fillRect/>
+          </a:stretch>
+        </p:blipFill>
+        <p:spPr>
+          <a:xfrm>
+            <a:off x="0" y="0"/>
+            <a:ext cx="9144000" cy="6858000"/>
+          </a:xfrm>
+          <a:prstGeom prst="rect">
+            <a:avLst/>
+          </a:prstGeom>
+        </p:spPr>
+      </p:pic>
+      <p:sp>
+        <p:nvSpPr>
+          <p:cNvPr id="8" name="Rectangle 3"/>
+          <p:cNvSpPr>
+            <a:spLocks noChangeArrowheads="1"/>
+          </p:cNvSpPr>
+          <p:nvPr userDrawn="1"/>
+        </p:nvSpPr>
+        <p:spPr bwMode="auto">
+          <a:xfrm>
+            <a:off x="-7938" y="403225"/>
+            <a:ext cx="9156701" cy="963613"/>
+          </a:xfrm>
+          <a:prstGeom prst="rect">
+            <a:avLst/>
+          </a:prstGeom>
+          <a:solidFill>
+            <a:srgbClr val="393633"/>
+          </a:solidFill>
+          <a:ln w="9525">
+            <a:noFill/>
+            <a:miter lim="800000"/>
+            <a:headEnd/>
+            <a:tailEnd/>
+          </a:ln>
+        </p:spPr>
+        <p:txBody>
+          <a:bodyPr anchor="ctr"/>
+          <a:lstStyle/>
+          <a:p>
+            <a:pPr>
+              <a:defRPr/>
+            </a:pPr>
+            <a:endParaRPr lang="id-ID"/>
+          </a:p>
+        </p:txBody>
+      </p:sp>
+      <p:pic>
+        <p:nvPicPr>
+          <p:cNvPr id="9" name="Picture 4" descr="M"/>
+          <p:cNvPicPr>
+            <a:picLocks noChangeAspect="1" noChangeArrowheads="1"/>
+          </p:cNvPicPr>
+          <p:nvPr userDrawn="1"/>
+        </p:nvPicPr>
+        <p:blipFill>
+          <a:blip r:embed="rId3" cstate="print">
+            <a:extLst>
+              <a:ext uri="{28A0092B-C50C-407E-A947-70E740481C1C}">
+                <a14:useLocalDpi xmlns:a14="http://schemas.microsoft.com/office/drawing/2010/main" val="0"/>
+              </a:ext>
+            </a:extLst>
+          </a:blip>
+          <a:srcRect/>
+          <a:stretch>
+            <a:fillRect/>
+          </a:stretch>
+        </p:blipFill>
+        <p:spPr bwMode="auto">
+          <a:xfrm>
+            <a:off x="320675" y="203200"/>
+            <a:ext cx="1714500" cy="1357313"/>
+          </a:xfrm>
+          <a:prstGeom prst="rect">
+            <a:avLst/>
+          </a:prstGeom>
+          <a:noFill/>
+          <a:ln>
+            <a:noFill/>
+          </a:ln>
+          <a:extLst>
+            <a:ext uri="{909E8E84-426E-40DD-AFC4-6F175D3DCCD1}">
+              <a14:hiddenFill xmlns:a14="http://schemas.microsoft.com/office/drawing/2010/main">
+                <a:solidFill>
+                  <a:srgbClr val="FFFFFF"/>
+                </a:solidFill>
+              </a14:hiddenFill>
+            </a:ext>
+            <a:ext uri="{91240B29-F687-4F45-9708-019B960494DF}">
+              <a14:hiddenLine xmlns:a14="http://schemas.microsoft.com/office/drawing/2010/main" w="9525">
+                <a:solidFill>
+                  <a:srgbClr val="000000"/>
+                </a:solidFill>
+                <a:miter lim="800000"/>
+                <a:headEnd/>
+                <a:tailEnd/>
+              </a14:hiddenLine>
+            </a:ext>
+          </a:extLst>
+        </p:spPr>
+      </p:pic>
+      <p:sp>
+        <p:nvSpPr>
+          <p:cNvPr id="4" name="Date Placeholder 3"/>
+          <p:cNvSpPr>
+            <a:spLocks noGrp="1"/>
+          </p:cNvSpPr>
+          <p:nvPr>
+            <p:ph type="dt" sz="half" idx="10"/>
+          </p:nvPr>
+        </p:nvSpPr>
+        <p:spPr/>
+        <p:txBody>
+          <a:bodyPr/>
+          <a:lstStyle/>
+          <a:p>
+            <a:fld id="{9CF5CD90-02D5-42B5-9671-27390D51D186}" type="datetimeFigureOut">
+              <a:rPr lang="en-US" smtClean="0"/>
+              <a:t>1/9/19</a:t>
+            </a:fld>
+            <a:endParaRPr lang="en-US"/>
+          </a:p>
+        </p:txBody>
+      </p:sp>
+      <p:sp>
+        <p:nvSpPr>
+          <p:cNvPr id="2" name="Title 1"/>
+          <p:cNvSpPr>
+            <a:spLocks noGrp="1"/>
+          </p:cNvSpPr>
+          <p:nvPr>
+            <p:ph type="title"/>
+          </p:nvPr>
+        </p:nvSpPr>
+        <p:spPr>
+          <a:xfrm>
+            <a:off x="2171700" y="600869"/>
+            <a:ext cx="6794500" cy="561974"/>
+          </a:xfrm>
+        </p:spPr>
+        <p:txBody>
+          <a:bodyPr>
+            <a:noAutofit/>
+          </a:bodyPr>
+          <a:lstStyle>
+            <a:lvl1pPr>
+              <a:defRPr sz="4000">
+                <a:solidFill>
+                  <a:schemeClr val="bg1"/>
+                </a:solidFill>
+                <a:latin typeface="Segoe UI" panose="020B0502040204020203" pitchFamily="34" charset="0"/>
+                <a:ea typeface="Segoe UI" panose="020B0502040204020203" pitchFamily="34" charset="0"/>
+                <a:cs typeface="Segoe UI" panose="020B0502040204020203" pitchFamily="34" charset="0"/>
+              </a:defRPr>
+            </a:lvl1pPr>
+          </a:lstStyle>
+          <a:p>
+            <a:r>
+              <a:rPr lang="en-US" dirty="0"/>
+              <a:t>Click to edit Master title style</a:t>
+            </a:r>
+          </a:p>
+        </p:txBody>
+      </p:sp>
+      <p:sp>
+        <p:nvSpPr>
+          <p:cNvPr id="5" name="Footer Placeholder 4"/>
+          <p:cNvSpPr>
+            <a:spLocks noGrp="1"/>
+          </p:cNvSpPr>
+          <p:nvPr>
+            <p:ph type="ftr" sz="quarter" idx="11"/>
+          </p:nvPr>
+        </p:nvSpPr>
+        <p:spPr/>
+        <p:txBody>
+          <a:bodyPr/>
+          <a:lstStyle/>
+          <a:p>
+            <a:endParaRPr lang="en-US"/>
+          </a:p>
+        </p:txBody>
+      </p:sp>
+      <p:sp>
+        <p:nvSpPr>
+          <p:cNvPr id="6" name="Slide Number Placeholder 5"/>
+          <p:cNvSpPr>
+            <a:spLocks noGrp="1"/>
+          </p:cNvSpPr>
+          <p:nvPr>
+            <p:ph type="sldNum" sz="quarter" idx="12"/>
+          </p:nvPr>
+        </p:nvSpPr>
+        <p:spPr/>
+        <p:txBody>
+          <a:bodyPr/>
+          <a:lstStyle/>
+          <a:p>
+            <a:fld id="{42E042FC-BE89-4002-A595-47B9A1F4C487}" type="slidenum">
+              <a:rPr lang="en-US" smtClean="0"/>
+              <a:t>‹#›</a:t>
+            </a:fld>
+            <a:endParaRPr lang="en-US"/>
+          </a:p>
+        </p:txBody>
+      </p:sp>
+      <p:sp>
+        <p:nvSpPr>
+          <p:cNvPr id="3" name="Content Placeholder 2"/>
+          <p:cNvSpPr>
+            <a:spLocks noGrp="1"/>
+          </p:cNvSpPr>
+          <p:nvPr>
+            <p:ph idx="1"/>
+          </p:nvPr>
+        </p:nvSpPr>
+        <p:spPr>
+          <a:xfrm>
+            <a:off x="628650" y="1825625"/>
+            <a:ext cx="7886700" cy="4351338"/>
+          </a:xfrm>
+        </p:spPr>
+        <p:txBody>
+          <a:bodyPr/>
+          <a:lstStyle/>
+          <a:p>
+            <a:pPr lvl="0"/>
+            <a:r>
+              <a:rPr lang="en-US" dirty="0"/>
+              <a:t>Click to edit Master text styles</a:t>
+            </a:r>
+          </a:p>
+          <a:p>
+            <a:pPr lvl="1"/>
+            <a:r>
+              <a:rPr lang="en-US" dirty="0"/>
+              <a:t>Second level</a:t>
+            </a:r>
+          </a:p>
+          <a:p>
+            <a:pPr lvl="2"/>
+            <a:r>
+              <a:rPr lang="en-US" dirty="0"/>
+              <a:t>Third level</a:t>
+            </a:r>
+          </a:p>
+          <a:p>
+            <a:pPr lvl="3"/>
+            <a:r>
+              <a:rPr lang="en-US" dirty="0"/>
+              <a:t>Fourth level</a:t>
+            </a:r>
+          </a:p>
+          <a:p>
+            <a:pPr lvl="4"/>
+            <a:r>
+              <a:rPr lang="en-US" dirty="0"/>
+              <a:t>Fifth level</a:t>
+            </a:r>
+          </a:p>
+        </p:txBody>
+      </p:sp>
+    </p:spTree>
+    <p:extLst>
+      <p:ext uri="{BB962C8B-B14F-4D97-AF65-F5344CB8AC3E}">
+        <p14:creationId xmlns:p14="http://schemas.microsoft.com/office/powerpoint/2010/main" val="3729544476"/>
+      </p:ext>
+    </p:extLst>
+  </p:cSld>
+  <p:clrMapOvr>
+    <a:masterClrMapping/>
+  </p:clrMapOvr>
+</p:sldLayout>
+</file>
+
+<file path=ppt/slideLayouts/slideLayout3.xml><?xml version="1.0" encoding="utf-8"?>
+<p:sldLayout xmlns:a="http://schemas.openxmlformats.org/drawingml/2006/main" xmlns:r="http://schemas.openxmlformats.org/officeDocument/2006/relationships" xmlns:p="http://schemas.openxmlformats.org/presentationml/2006/main" type="obj" preserve="1">
+  <p:cSld name="mario2_layout">
+    <p:spTree>
+      <p:nvGrpSpPr>
+        <p:cNvPr id="1" name=""/>
+        <p:cNvGrpSpPr/>
+        <p:nvPr/>
+      </p:nvGrpSpPr>
+      <p:grpSpPr>
+        <a:xfrm>
+          <a:off x="0" y="0"/>
+          <a:ext cx="0" cy="0"/>
+          <a:chOff x="0" y="0"/>
+          <a:chExt cx="0" cy="0"/>
+        </a:xfrm>
+      </p:grpSpPr>
+      <p:pic>
+        <p:nvPicPr>
+          <p:cNvPr id="10" name="Picture 9">
+            <a:extLst>
+              <a:ext uri="{FF2B5EF4-FFF2-40B4-BE49-F238E27FC236}">
+                <a16:creationId xmlns:a16="http://schemas.microsoft.com/office/drawing/2014/main" id="{C8E06982-D7A4-4048-9B26-844106F0CD11}"/>
+              </a:ext>
+            </a:extLst>
+          </p:cNvPr>
+          <p:cNvPicPr>
+            <a:picLocks noChangeAspect="1"/>
+          </p:cNvPicPr>
+          <p:nvPr userDrawn="1"/>
+        </p:nvPicPr>
+        <p:blipFill>
+          <a:blip r:embed="rId2">
+            <a:extLst>
+              <a:ext uri="{28A0092B-C50C-407E-A947-70E740481C1C}">
+                <a14:useLocalDpi xmlns:a14="http://schemas.microsoft.com/office/drawing/2010/main" val="0"/>
+              </a:ext>
+            </a:extLst>
+          </a:blip>
+          <a:stretch>
+            <a:fillRect/>
+          </a:stretch>
+        </p:blipFill>
+        <p:spPr>
+          <a:xfrm>
+            <a:off x="-7938" y="1714500"/>
+            <a:ext cx="9144000" cy="5143500"/>
+          </a:xfrm>
+          <a:prstGeom prst="rect">
+            <a:avLst/>
+          </a:prstGeom>
+        </p:spPr>
+      </p:pic>
+      <p:sp>
+        <p:nvSpPr>
+          <p:cNvPr id="8" name="Rectangle 3"/>
+          <p:cNvSpPr>
+            <a:spLocks noChangeArrowheads="1"/>
+          </p:cNvSpPr>
+          <p:nvPr userDrawn="1"/>
+        </p:nvSpPr>
+        <p:spPr bwMode="auto">
+          <a:xfrm>
+            <a:off x="-7938" y="403225"/>
+            <a:ext cx="9156701" cy="963613"/>
+          </a:xfrm>
+          <a:prstGeom prst="rect">
+            <a:avLst/>
+          </a:prstGeom>
+          <a:solidFill>
+            <a:srgbClr val="393633"/>
+          </a:solidFill>
+          <a:ln w="9525">
+            <a:noFill/>
+            <a:miter lim="800000"/>
+            <a:headEnd/>
+            <a:tailEnd/>
+          </a:ln>
+        </p:spPr>
+        <p:txBody>
+          <a:bodyPr anchor="ctr"/>
+          <a:lstStyle/>
+          <a:p>
+            <a:pPr>
+              <a:defRPr/>
+            </a:pPr>
+            <a:endParaRPr lang="id-ID"/>
+          </a:p>
+        </p:txBody>
+      </p:sp>
+      <p:pic>
+        <p:nvPicPr>
+          <p:cNvPr id="9" name="Picture 4" descr="M"/>
+          <p:cNvPicPr>
+            <a:picLocks noChangeAspect="1" noChangeArrowheads="1"/>
+          </p:cNvPicPr>
+          <p:nvPr userDrawn="1"/>
+        </p:nvPicPr>
+        <p:blipFill>
+          <a:blip r:embed="rId3" cstate="print">
+            <a:extLst>
+              <a:ext uri="{28A0092B-C50C-407E-A947-70E740481C1C}">
+                <a14:useLocalDpi xmlns:a14="http://schemas.microsoft.com/office/drawing/2010/main" val="0"/>
+              </a:ext>
+            </a:extLst>
+          </a:blip>
+          <a:srcRect/>
+          <a:stretch>
+            <a:fillRect/>
+          </a:stretch>
+        </p:blipFill>
+        <p:spPr bwMode="auto">
+          <a:xfrm>
+            <a:off x="320675" y="203200"/>
+            <a:ext cx="1714500" cy="1357313"/>
+          </a:xfrm>
+          <a:prstGeom prst="rect">
+            <a:avLst/>
+          </a:prstGeom>
+          <a:noFill/>
+          <a:ln>
+            <a:noFill/>
+          </a:ln>
+          <a:extLst>
+            <a:ext uri="{909E8E84-426E-40DD-AFC4-6F175D3DCCD1}">
+              <a14:hiddenFill xmlns:a14="http://schemas.microsoft.com/office/drawing/2010/main">
+                <a:solidFill>
+                  <a:srgbClr val="FFFFFF"/>
+                </a:solidFill>
+              </a14:hiddenFill>
+            </a:ext>
+            <a:ext uri="{91240B29-F687-4F45-9708-019B960494DF}">
+              <a14:hiddenLine xmlns:a14="http://schemas.microsoft.com/office/drawing/2010/main" w="9525">
+                <a:solidFill>
+                  <a:srgbClr val="000000"/>
+                </a:solidFill>
+                <a:miter lim="800000"/>
+                <a:headEnd/>
+                <a:tailEnd/>
+              </a14:hiddenLine>
+            </a:ext>
+          </a:extLst>
+        </p:spPr>
+      </p:pic>
+      <p:sp>
+        <p:nvSpPr>
+          <p:cNvPr id="2" name="Title 1"/>
+          <p:cNvSpPr>
+            <a:spLocks noGrp="1"/>
+          </p:cNvSpPr>
+          <p:nvPr>
+            <p:ph type="title"/>
+          </p:nvPr>
+        </p:nvSpPr>
+        <p:spPr>
+          <a:xfrm>
+            <a:off x="2171700" y="600869"/>
+            <a:ext cx="6794500" cy="561974"/>
+          </a:xfrm>
+        </p:spPr>
+        <p:txBody>
+          <a:bodyPr>
+            <a:noAutofit/>
+          </a:bodyPr>
+          <a:lstStyle>
+            <a:lvl1pPr>
+              <a:defRPr sz="4000">
+                <a:solidFill>
+                  <a:schemeClr val="bg1"/>
+                </a:solidFill>
+                <a:latin typeface="Segoe UI" panose="020B0502040204020203" pitchFamily="34" charset="0"/>
+                <a:ea typeface="Segoe UI" panose="020B0502040204020203" pitchFamily="34" charset="0"/>
+                <a:cs typeface="Segoe UI" panose="020B0502040204020203" pitchFamily="34" charset="0"/>
+              </a:defRPr>
+            </a:lvl1pPr>
+          </a:lstStyle>
+          <a:p>
+            <a:r>
+              <a:rPr lang="en-US" dirty="0"/>
+              <a:t>Click to edit Master title style</a:t>
+            </a:r>
+          </a:p>
+        </p:txBody>
+      </p:sp>
+      <p:sp>
+        <p:nvSpPr>
+          <p:cNvPr id="3" name="Content Placeholder 2"/>
+          <p:cNvSpPr>
+            <a:spLocks noGrp="1"/>
+          </p:cNvSpPr>
+          <p:nvPr>
+            <p:ph idx="1"/>
+          </p:nvPr>
+        </p:nvSpPr>
+        <p:spPr/>
+        <p:txBody>
+          <a:bodyPr/>
+          <a:lstStyle/>
+          <a:p>
+            <a:pPr lvl="0"/>
+            <a:r>
+              <a:rPr lang="en-US" dirty="0"/>
+              <a:t>Click to edit Master text styles</a:t>
+            </a:r>
+          </a:p>
+          <a:p>
+            <a:pPr lvl="1"/>
+            <a:r>
+              <a:rPr lang="en-US" dirty="0"/>
+              <a:t>Second level</a:t>
+            </a:r>
+          </a:p>
+          <a:p>
+            <a:pPr lvl="2"/>
+            <a:r>
+              <a:rPr lang="en-US" dirty="0"/>
+              <a:t>Third level</a:t>
+            </a:r>
+          </a:p>
+          <a:p>
+            <a:pPr lvl="3"/>
+            <a:r>
+              <a:rPr lang="en-US" dirty="0"/>
+              <a:t>Fourth level</a:t>
+            </a:r>
+          </a:p>
+          <a:p>
+            <a:pPr lvl="4"/>
+            <a:r>
+              <a:rPr lang="en-US" dirty="0"/>
+              <a:t>Fifth level</a:t>
+            </a:r>
+          </a:p>
+        </p:txBody>
+      </p:sp>
+      <p:sp>
+        <p:nvSpPr>
+          <p:cNvPr id="4" name="Date Placeholder 3"/>
+          <p:cNvSpPr>
+            <a:spLocks noGrp="1"/>
+          </p:cNvSpPr>
+          <p:nvPr>
+            <p:ph type="dt" sz="half" idx="10"/>
+          </p:nvPr>
+        </p:nvSpPr>
+        <p:spPr/>
+        <p:txBody>
+          <a:bodyPr/>
+          <a:lstStyle/>
+          <a:p>
+            <a:fld id="{9CF5CD90-02D5-42B5-9671-27390D51D186}" type="datetimeFigureOut">
+              <a:rPr lang="en-US" smtClean="0"/>
+              <a:t>1/9/19</a:t>
+            </a:fld>
+            <a:endParaRPr lang="en-US"/>
+          </a:p>
+        </p:txBody>
+      </p:sp>
+      <p:sp>
+        <p:nvSpPr>
+          <p:cNvPr id="5" name="Footer Placeholder 4"/>
+          <p:cNvSpPr>
+            <a:spLocks noGrp="1"/>
+          </p:cNvSpPr>
+          <p:nvPr>
+            <p:ph type="ftr" sz="quarter" idx="11"/>
+          </p:nvPr>
+        </p:nvSpPr>
+        <p:spPr/>
+        <p:txBody>
+          <a:bodyPr/>
+          <a:lstStyle/>
+          <a:p>
+            <a:endParaRPr lang="en-US"/>
+          </a:p>
+        </p:txBody>
+      </p:sp>
+      <p:sp>
+        <p:nvSpPr>
+          <p:cNvPr id="6" name="Slide Number Placeholder 5"/>
+          <p:cNvSpPr>
+            <a:spLocks noGrp="1"/>
+          </p:cNvSpPr>
+          <p:nvPr>
+            <p:ph type="sldNum" sz="quarter" idx="12"/>
+          </p:nvPr>
+        </p:nvSpPr>
+        <p:spPr/>
+        <p:txBody>
+          <a:bodyPr/>
+          <a:lstStyle/>
+          <a:p>
+            <a:fld id="{42E042FC-BE89-4002-A595-47B9A1F4C487}" type="slidenum">
+              <a:rPr lang="en-US" smtClean="0"/>
+              <a:t>‹#›</a:t>
+            </a:fld>
+            <a:endParaRPr lang="en-US"/>
+          </a:p>
+        </p:txBody>
+      </p:sp>
+    </p:spTree>
+    <p:extLst>
+      <p:ext uri="{BB962C8B-B14F-4D97-AF65-F5344CB8AC3E}">
+        <p14:creationId xmlns:p14="http://schemas.microsoft.com/office/powerpoint/2010/main" val="4103786242"/>
+      </p:ext>
+    </p:extLst>
+  </p:cSld>
+  <p:clrMapOvr>
+    <a:masterClrMapping/>
+  </p:clrMapOvr>
+</p:sldLayout>
+</file>
+
+<file path=ppt/slideLayouts/slideLayout4.xml><?xml version="1.0" encoding="utf-8"?>
+<p:sldLayout xmlns:a="http://schemas.openxmlformats.org/drawingml/2006/main" xmlns:r="http://schemas.openxmlformats.org/officeDocument/2006/relationships" xmlns:p="http://schemas.openxmlformats.org/presentationml/2006/main" type="obj" preserve="1">
+  <p:cSld name="mario3_layout">
+    <p:spTree>
+      <p:nvGrpSpPr>
+        <p:cNvPr id="1" name=""/>
+        <p:cNvGrpSpPr/>
+        <p:nvPr/>
+      </p:nvGrpSpPr>
+      <p:grpSpPr>
+        <a:xfrm>
+          <a:off x="0" y="0"/>
+          <a:ext cx="0" cy="0"/>
+          <a:chOff x="0" y="0"/>
+          <a:chExt cx="0" cy="0"/>
+        </a:xfrm>
+      </p:grpSpPr>
+      <p:pic>
+        <p:nvPicPr>
+          <p:cNvPr id="10" name="Picture 9">
+            <a:extLst>
+              <a:ext uri="{FF2B5EF4-FFF2-40B4-BE49-F238E27FC236}">
+                <a16:creationId xmlns:a16="http://schemas.microsoft.com/office/drawing/2014/main" id="{13D4879D-F7D4-FE42-8DA8-1B4C7AD9FEC3}"/>
+              </a:ext>
+            </a:extLst>
+          </p:cNvPr>
+          <p:cNvPicPr>
+            <a:picLocks noChangeAspect="1"/>
+          </p:cNvPicPr>
+          <p:nvPr userDrawn="1"/>
+        </p:nvPicPr>
+        <p:blipFill>
+          <a:blip r:embed="rId2">
+            <a:extLst>
+              <a:ext uri="{28A0092B-C50C-407E-A947-70E740481C1C}">
+                <a14:useLocalDpi xmlns:a14="http://schemas.microsoft.com/office/drawing/2010/main" val="0"/>
+              </a:ext>
+            </a:extLst>
+          </a:blip>
+          <a:stretch>
+            <a:fillRect/>
+          </a:stretch>
+        </p:blipFill>
+        <p:spPr>
+          <a:xfrm>
+            <a:off x="0" y="0"/>
+            <a:ext cx="9144000" cy="6858000"/>
+          </a:xfrm>
+          <a:prstGeom prst="rect">
+            <a:avLst/>
+          </a:prstGeom>
+        </p:spPr>
+      </p:pic>
+      <p:sp>
+        <p:nvSpPr>
+          <p:cNvPr id="8" name="Rectangle 3"/>
+          <p:cNvSpPr>
+            <a:spLocks noChangeArrowheads="1"/>
+          </p:cNvSpPr>
+          <p:nvPr userDrawn="1"/>
+        </p:nvSpPr>
+        <p:spPr bwMode="auto">
+          <a:xfrm>
+            <a:off x="-7938" y="403225"/>
+            <a:ext cx="9156701" cy="963613"/>
+          </a:xfrm>
+          <a:prstGeom prst="rect">
+            <a:avLst/>
+          </a:prstGeom>
+          <a:solidFill>
+            <a:srgbClr val="393633"/>
+          </a:solidFill>
+          <a:ln w="9525">
+            <a:noFill/>
+            <a:miter lim="800000"/>
+            <a:headEnd/>
+            <a:tailEnd/>
+          </a:ln>
+        </p:spPr>
+        <p:txBody>
+          <a:bodyPr anchor="ctr"/>
+          <a:lstStyle/>
+          <a:p>
+            <a:pPr>
+              <a:defRPr/>
+            </a:pPr>
+            <a:endParaRPr lang="id-ID"/>
+          </a:p>
+        </p:txBody>
+      </p:sp>
+      <p:pic>
+        <p:nvPicPr>
+          <p:cNvPr id="9" name="Picture 4" descr="M"/>
+          <p:cNvPicPr>
+            <a:picLocks noChangeAspect="1" noChangeArrowheads="1"/>
+          </p:cNvPicPr>
+          <p:nvPr userDrawn="1"/>
+        </p:nvPicPr>
+        <p:blipFill>
+          <a:blip r:embed="rId3" cstate="print">
+            <a:extLst>
+              <a:ext uri="{28A0092B-C50C-407E-A947-70E740481C1C}">
+                <a14:useLocalDpi xmlns:a14="http://schemas.microsoft.com/office/drawing/2010/main" val="0"/>
+              </a:ext>
+            </a:extLst>
+          </a:blip>
+          <a:srcRect/>
+          <a:stretch>
+            <a:fillRect/>
+          </a:stretch>
+        </p:blipFill>
+        <p:spPr bwMode="auto">
+          <a:xfrm>
+            <a:off x="320675" y="203200"/>
+            <a:ext cx="1714500" cy="1357313"/>
+          </a:xfrm>
+          <a:prstGeom prst="rect">
+            <a:avLst/>
+          </a:prstGeom>
+          <a:noFill/>
+          <a:ln>
+            <a:noFill/>
+          </a:ln>
+          <a:extLst>
+            <a:ext uri="{909E8E84-426E-40DD-AFC4-6F175D3DCCD1}">
+              <a14:hiddenFill xmlns:a14="http://schemas.microsoft.com/office/drawing/2010/main">
+                <a:solidFill>
+                  <a:srgbClr val="FFFFFF"/>
+                </a:solidFill>
+              </a14:hiddenFill>
+            </a:ext>
+            <a:ext uri="{91240B29-F687-4F45-9708-019B960494DF}">
+              <a14:hiddenLine xmlns:a14="http://schemas.microsoft.com/office/drawing/2010/main" w="9525">
+                <a:solidFill>
+                  <a:srgbClr val="000000"/>
+                </a:solidFill>
+                <a:miter lim="800000"/>
+                <a:headEnd/>
+                <a:tailEnd/>
+              </a14:hiddenLine>
+            </a:ext>
+          </a:extLst>
+        </p:spPr>
+      </p:pic>
+      <p:sp>
+        <p:nvSpPr>
+          <p:cNvPr id="2" name="Title 1"/>
+          <p:cNvSpPr>
+            <a:spLocks noGrp="1"/>
+          </p:cNvSpPr>
+          <p:nvPr>
+            <p:ph type="title"/>
+          </p:nvPr>
+        </p:nvSpPr>
+        <p:spPr>
+          <a:xfrm>
+            <a:off x="2171700" y="600869"/>
+            <a:ext cx="6794500" cy="561974"/>
+          </a:xfrm>
+        </p:spPr>
+        <p:txBody>
+          <a:bodyPr>
+            <a:noAutofit/>
+          </a:bodyPr>
+          <a:lstStyle>
+            <a:lvl1pPr>
+              <a:defRPr sz="4000">
+                <a:solidFill>
+                  <a:schemeClr val="bg1"/>
+                </a:solidFill>
+                <a:latin typeface="Segoe UI" panose="020B0502040204020203" pitchFamily="34" charset="0"/>
+                <a:ea typeface="Segoe UI" panose="020B0502040204020203" pitchFamily="34" charset="0"/>
+                <a:cs typeface="Segoe UI" panose="020B0502040204020203" pitchFamily="34" charset="0"/>
+              </a:defRPr>
+            </a:lvl1pPr>
+          </a:lstStyle>
+          <a:p>
+            <a:r>
+              <a:rPr lang="en-US" dirty="0"/>
+              <a:t>Click to edit Master title style</a:t>
+            </a:r>
+          </a:p>
+        </p:txBody>
+      </p:sp>
+      <p:sp>
+        <p:nvSpPr>
+          <p:cNvPr id="3" name="Content Placeholder 2"/>
+          <p:cNvSpPr>
+            <a:spLocks noGrp="1"/>
+          </p:cNvSpPr>
+          <p:nvPr>
+            <p:ph idx="1"/>
+          </p:nvPr>
+        </p:nvSpPr>
+        <p:spPr/>
+        <p:txBody>
+          <a:bodyPr/>
+          <a:lstStyle/>
+          <a:p>
+            <a:pPr lvl="0"/>
+            <a:r>
+              <a:rPr lang="en-US" dirty="0"/>
+              <a:t>Click to edit Master text styles</a:t>
+            </a:r>
+          </a:p>
+          <a:p>
+            <a:pPr lvl="1"/>
+            <a:r>
+              <a:rPr lang="en-US" dirty="0"/>
+              <a:t>Second level</a:t>
+            </a:r>
+          </a:p>
+          <a:p>
+            <a:pPr lvl="2"/>
+            <a:r>
+              <a:rPr lang="en-US" dirty="0"/>
+              <a:t>Third level</a:t>
+            </a:r>
+          </a:p>
+          <a:p>
+            <a:pPr lvl="3"/>
+            <a:r>
+              <a:rPr lang="en-US" dirty="0"/>
+              <a:t>Fourth level</a:t>
+            </a:r>
+          </a:p>
+          <a:p>
+            <a:pPr lvl="4"/>
+            <a:r>
+              <a:rPr lang="en-US" dirty="0"/>
+              <a:t>Fifth level</a:t>
+            </a:r>
+          </a:p>
+        </p:txBody>
+      </p:sp>
+      <p:sp>
+        <p:nvSpPr>
+          <p:cNvPr id="4" name="Date Placeholder 3"/>
+          <p:cNvSpPr>
+            <a:spLocks noGrp="1"/>
+          </p:cNvSpPr>
+          <p:nvPr>
+            <p:ph type="dt" sz="half" idx="10"/>
+          </p:nvPr>
+        </p:nvSpPr>
+        <p:spPr/>
+        <p:txBody>
+          <a:bodyPr/>
+          <a:lstStyle/>
+          <a:p>
+            <a:fld id="{9CF5CD90-02D5-42B5-9671-27390D51D186}" type="datetimeFigureOut">
+              <a:rPr lang="en-US" smtClean="0"/>
+              <a:t>1/9/19</a:t>
+            </a:fld>
+            <a:endParaRPr lang="en-US"/>
+          </a:p>
+        </p:txBody>
+      </p:sp>
+      <p:sp>
+        <p:nvSpPr>
+          <p:cNvPr id="5" name="Footer Placeholder 4"/>
+          <p:cNvSpPr>
+            <a:spLocks noGrp="1"/>
+          </p:cNvSpPr>
+          <p:nvPr>
+            <p:ph type="ftr" sz="quarter" idx="11"/>
+          </p:nvPr>
+        </p:nvSpPr>
+        <p:spPr/>
+        <p:txBody>
+          <a:bodyPr/>
+          <a:lstStyle/>
+          <a:p>
+            <a:endParaRPr lang="en-US"/>
+          </a:p>
+        </p:txBody>
+      </p:sp>
+      <p:sp>
+        <p:nvSpPr>
+          <p:cNvPr id="6" name="Slide Number Placeholder 5"/>
+          <p:cNvSpPr>
+            <a:spLocks noGrp="1"/>
+          </p:cNvSpPr>
+          <p:nvPr>
+            <p:ph type="sldNum" sz="quarter" idx="12"/>
+          </p:nvPr>
+        </p:nvSpPr>
+        <p:spPr/>
+        <p:txBody>
+          <a:bodyPr/>
+          <a:lstStyle/>
+          <a:p>
+            <a:fld id="{42E042FC-BE89-4002-A595-47B9A1F4C487}" type="slidenum">
+              <a:rPr lang="en-US" smtClean="0"/>
+              <a:t>‹#›</a:t>
+            </a:fld>
+            <a:endParaRPr lang="en-US"/>
+          </a:p>
+        </p:txBody>
+      </p:sp>
+    </p:spTree>
+    <p:extLst>
+      <p:ext uri="{BB962C8B-B14F-4D97-AF65-F5344CB8AC3E}">
+        <p14:creationId xmlns:p14="http://schemas.microsoft.com/office/powerpoint/2010/main" val="1139772855"/>
+      </p:ext>
+    </p:extLst>
+  </p:cSld>
+  <p:clrMapOvr>
+    <a:masterClrMapping/>
+  </p:clrMapOvr>
+</p:sldLayout>
+</file>
+
+<file path=ppt/slideLayouts/slideLayout5.xml><?xml version="1.0" encoding="utf-8"?>
+<p:sldLayout xmlns:a="http://schemas.openxmlformats.org/drawingml/2006/main" xmlns:r="http://schemas.openxmlformats.org/officeDocument/2006/relationships" xmlns:p="http://schemas.openxmlformats.org/presentationml/2006/main" type="blank" preserve="1">
+  <p:cSld name="end_slide">
+    <p:spTree>
+      <p:nvGrpSpPr>
+        <p:cNvPr id="1" name=""/>
+        <p:cNvGrpSpPr/>
+        <p:nvPr/>
+      </p:nvGrpSpPr>
+      <p:grpSpPr>
+        <a:xfrm>
+          <a:off x="0" y="0"/>
+          <a:ext cx="0" cy="0"/>
+          <a:chOff x="0" y="0"/>
+          <a:chExt cx="0" cy="0"/>
+        </a:xfrm>
+      </p:grpSpPr>
+      <p:sp>
+        <p:nvSpPr>
+          <p:cNvPr id="2" name="Date Placeholder 1"/>
+          <p:cNvSpPr>
+            <a:spLocks noGrp="1"/>
+          </p:cNvSpPr>
+          <p:nvPr>
+            <p:ph type="dt" sz="half" idx="10"/>
+          </p:nvPr>
+        </p:nvSpPr>
+        <p:spPr/>
+        <p:txBody>
+          <a:bodyPr/>
+          <a:lstStyle/>
+          <a:p>
+            <a:fld id="{9CF5CD90-02D5-42B5-9671-27390D51D186}" type="datetimeFigureOut">
+              <a:rPr lang="en-US" smtClean="0"/>
+              <a:t>1/9/19</a:t>
+            </a:fld>
+            <a:endParaRPr lang="en-US"/>
+          </a:p>
+        </p:txBody>
+      </p:sp>
+      <p:sp>
+        <p:nvSpPr>
+          <p:cNvPr id="3" name="Footer Placeholder 2"/>
+          <p:cNvSpPr>
+            <a:spLocks noGrp="1"/>
+          </p:cNvSpPr>
+          <p:nvPr>
+            <p:ph type="ftr" sz="quarter" idx="11"/>
+          </p:nvPr>
+        </p:nvSpPr>
+        <p:spPr/>
+        <p:txBody>
+          <a:bodyPr/>
+          <a:lstStyle/>
+          <a:p>
+            <a:endParaRPr lang="en-US"/>
+          </a:p>
+        </p:txBody>
+      </p:sp>
+      <p:sp>
+        <p:nvSpPr>
+          <p:cNvPr id="4" name="Slide Number Placeholder 3"/>
+          <p:cNvSpPr>
+            <a:spLocks noGrp="1"/>
+          </p:cNvSpPr>
+          <p:nvPr>
+            <p:ph type="sldNum" sz="quarter" idx="12"/>
+          </p:nvPr>
+        </p:nvSpPr>
+        <p:spPr/>
+        <p:txBody>
+          <a:bodyPr/>
+          <a:lstStyle/>
+          <a:p>
+            <a:fld id="{42E042FC-BE89-4002-A595-47B9A1F4C487}" type="slidenum">
+              <a:rPr lang="en-US" smtClean="0"/>
+              <a:t>‹#›</a:t>
+            </a:fld>
+            <a:endParaRPr lang="en-US"/>
+          </a:p>
+        </p:txBody>
+      </p:sp>
+      <p:sp>
+        <p:nvSpPr>
+          <p:cNvPr id="5" name="Rectangle 2"/>
+          <p:cNvSpPr>
+            <a:spLocks noChangeArrowheads="1"/>
+          </p:cNvSpPr>
+          <p:nvPr userDrawn="1"/>
+        </p:nvSpPr>
+        <p:spPr bwMode="auto">
+          <a:xfrm>
+            <a:off x="-14288" y="2184400"/>
+            <a:ext cx="9151938" cy="4092575"/>
+          </a:xfrm>
+          <a:prstGeom prst="rect">
+            <a:avLst/>
+          </a:prstGeom>
+          <a:solidFill>
+            <a:srgbClr val="393633"/>
+          </a:solidFill>
+          <a:ln>
+            <a:noFill/>
+          </a:ln>
+          <a:extLst>
+            <a:ext uri="{91240B29-F687-4F45-9708-019B960494DF}">
+              <a14:hiddenLine xmlns:a14="http://schemas.microsoft.com/office/drawing/2010/main" w="9525">
+                <a:solidFill>
+                  <a:srgbClr val="000000"/>
+                </a:solidFill>
+                <a:bevel/>
+                <a:headEnd/>
+                <a:tailEnd/>
+              </a14:hiddenLine>
+            </a:ext>
+          </a:extLst>
+        </p:spPr>
+        <p:txBody>
+          <a:bodyPr anchor="ctr"/>
+          <a:lstStyle>
+            <a:lvl1pPr eaLnBrk="0" hangingPunct="0">
+              <a:defRPr>
+                <a:solidFill>
+                  <a:schemeClr val="tx1"/>
+                </a:solidFill>
+                <a:latin typeface="Arial" panose="020B0604020202020204" pitchFamily="34" charset="0"/>
+                <a:cs typeface="Arial" panose="020B0604020202020204" pitchFamily="34" charset="0"/>
+              </a:defRPr>
+            </a:lvl1pPr>
+            <a:lvl2pPr marL="742950" indent="-285750" eaLnBrk="0" hangingPunct="0">
+              <a:defRPr>
+                <a:solidFill>
+                  <a:schemeClr val="tx1"/>
+                </a:solidFill>
+                <a:latin typeface="Arial" panose="020B0604020202020204" pitchFamily="34" charset="0"/>
+                <a:cs typeface="Arial" panose="020B0604020202020204" pitchFamily="34" charset="0"/>
+              </a:defRPr>
+            </a:lvl2pPr>
+            <a:lvl3pPr marL="1143000" indent="-228600" eaLnBrk="0" hangingPunct="0">
+              <a:defRPr>
+                <a:solidFill>
+                  <a:schemeClr val="tx1"/>
+                </a:solidFill>
+                <a:latin typeface="Arial" panose="020B0604020202020204" pitchFamily="34" charset="0"/>
+                <a:cs typeface="Arial" panose="020B0604020202020204" pitchFamily="34" charset="0"/>
+              </a:defRPr>
+            </a:lvl3pPr>
+            <a:lvl4pPr marL="1600200" indent="-228600" eaLnBrk="0" hangingPunct="0">
+              <a:defRPr>
+                <a:solidFill>
+                  <a:schemeClr val="tx1"/>
+                </a:solidFill>
+                <a:latin typeface="Arial" panose="020B0604020202020204" pitchFamily="34" charset="0"/>
+                <a:cs typeface="Arial" panose="020B0604020202020204" pitchFamily="34" charset="0"/>
+              </a:defRPr>
+            </a:lvl4pPr>
+            <a:lvl5pPr marL="2057400" indent="-228600" eaLnBrk="0" hangingPunct="0">
+              <a:defRPr>
+                <a:solidFill>
+                  <a:schemeClr val="tx1"/>
+                </a:solidFill>
+                <a:latin typeface="Arial" panose="020B0604020202020204" pitchFamily="34" charset="0"/>
+                <a:cs typeface="Arial" panose="020B0604020202020204" pitchFamily="34" charset="0"/>
+              </a:defRPr>
+            </a:lvl5pPr>
+            <a:lvl6pPr marL="2514600" indent="-228600" eaLnBrk="0" fontAlgn="base" hangingPunct="0">
+              <a:spcBef>
+                <a:spcPct val="0"/>
+              </a:spcBef>
+              <a:spcAft>
+                <a:spcPct val="0"/>
+              </a:spcAft>
+              <a:buFont typeface="Arial" panose="020B0604020202020204" pitchFamily="34" charset="0"/>
+              <a:defRPr>
+                <a:solidFill>
+                  <a:schemeClr val="tx1"/>
+                </a:solidFill>
+                <a:latin typeface="Arial" panose="020B0604020202020204" pitchFamily="34" charset="0"/>
+                <a:cs typeface="Arial" panose="020B0604020202020204" pitchFamily="34" charset="0"/>
+              </a:defRPr>
+            </a:lvl6pPr>
+            <a:lvl7pPr marL="2971800" indent="-228600" eaLnBrk="0" fontAlgn="base" hangingPunct="0">
+              <a:spcBef>
+                <a:spcPct val="0"/>
+              </a:spcBef>
+              <a:spcAft>
+                <a:spcPct val="0"/>
+              </a:spcAft>
+              <a:buFont typeface="Arial" panose="020B0604020202020204" pitchFamily="34" charset="0"/>
+              <a:defRPr>
+                <a:solidFill>
+                  <a:schemeClr val="tx1"/>
+                </a:solidFill>
+                <a:latin typeface="Arial" panose="020B0604020202020204" pitchFamily="34" charset="0"/>
+                <a:cs typeface="Arial" panose="020B0604020202020204" pitchFamily="34" charset="0"/>
+              </a:defRPr>
+            </a:lvl7pPr>
+            <a:lvl8pPr marL="3429000" indent="-228600" eaLnBrk="0" fontAlgn="base" hangingPunct="0">
+              <a:spcBef>
+                <a:spcPct val="0"/>
+              </a:spcBef>
+              <a:spcAft>
+                <a:spcPct val="0"/>
+              </a:spcAft>
+              <a:buFont typeface="Arial" panose="020B0604020202020204" pitchFamily="34" charset="0"/>
+              <a:defRPr>
+                <a:solidFill>
+                  <a:schemeClr val="tx1"/>
+                </a:solidFill>
+                <a:latin typeface="Arial" panose="020B0604020202020204" pitchFamily="34" charset="0"/>
+                <a:cs typeface="Arial" panose="020B0604020202020204" pitchFamily="34" charset="0"/>
+              </a:defRPr>
+            </a:lvl8pPr>
+            <a:lvl9pPr marL="3886200" indent="-228600" eaLnBrk="0" fontAlgn="base" hangingPunct="0">
+              <a:spcBef>
+                <a:spcPct val="0"/>
+              </a:spcBef>
+              <a:spcAft>
+                <a:spcPct val="0"/>
+              </a:spcAft>
+              <a:buFont typeface="Arial" panose="020B0604020202020204" pitchFamily="34" charset="0"/>
+              <a:defRPr>
+                <a:solidFill>
+                  <a:schemeClr val="tx1"/>
+                </a:solidFill>
+                <a:latin typeface="Arial" panose="020B0604020202020204" pitchFamily="34" charset="0"/>
+                <a:cs typeface="Arial" panose="020B0604020202020204" pitchFamily="34" charset="0"/>
+              </a:defRPr>
+            </a:lvl9pPr>
+          </a:lstStyle>
+          <a:p>
+            <a:pPr eaLnBrk="1" hangingPunct="1"/>
+            <a:endParaRPr lang="id-ID"/>
+          </a:p>
+        </p:txBody>
+      </p:sp>
+      <p:pic>
+        <p:nvPicPr>
+          <p:cNvPr id="6" name="Picture 3" descr="mario2"/>
+          <p:cNvPicPr>
+            <a:picLocks noChangeAspect="1" noChangeArrowheads="1"/>
+          </p:cNvPicPr>
+          <p:nvPr userDrawn="1"/>
+        </p:nvPicPr>
+        <p:blipFill>
+          <a:blip r:embed="rId2">
+            <a:extLst>
+              <a:ext uri="{28A0092B-C50C-407E-A947-70E740481C1C}">
+                <a14:useLocalDpi xmlns:a14="http://schemas.microsoft.com/office/drawing/2010/main" val="0"/>
+              </a:ext>
+            </a:extLst>
+          </a:blip>
+          <a:srcRect t="2596" r="31505" b="17142"/>
+          <a:stretch>
+            <a:fillRect/>
+          </a:stretch>
+        </p:blipFill>
+        <p:spPr>
+          <a:xfrm>
+            <a:off x="3252788" y="9525"/>
+            <a:ext cx="5900737" cy="6873875"/>
+          </a:xfrm>
+          <a:prstGeom prst="rect">
+            <a:avLst/>
+          </a:prstGeom>
+          <a:noFill/>
+        </p:spPr>
+      </p:pic>
+      <p:sp>
+        <p:nvSpPr>
+          <p:cNvPr id="7" name="Text Box 4"/>
+          <p:cNvSpPr txBox="1">
+            <a:spLocks noChangeArrowheads="1"/>
+          </p:cNvSpPr>
+          <p:nvPr userDrawn="1"/>
+        </p:nvSpPr>
+        <p:spPr bwMode="auto">
+          <a:xfrm>
+            <a:off x="146050" y="2570163"/>
+            <a:ext cx="3587750" cy="822325"/>
+          </a:xfrm>
+          <a:prstGeom prst="rect">
+            <a:avLst/>
+          </a:prstGeom>
+          <a:noFill/>
+          <a:ln>
+            <a:noFill/>
+          </a:ln>
+          <a:extLst>
+            <a:ext uri="{909E8E84-426E-40DD-AFC4-6F175D3DCCD1}">
+              <a14:hiddenFill xmlns:a14="http://schemas.microsoft.com/office/drawing/2010/main">
+                <a:solidFill>
+                  <a:srgbClr val="FFFFFF"/>
+                </a:solidFill>
+              </a14:hiddenFill>
+            </a:ext>
+            <a:ext uri="{91240B29-F687-4F45-9708-019B960494DF}">
+              <a14:hiddenLine xmlns:a14="http://schemas.microsoft.com/office/drawing/2010/main" w="9525">
+                <a:solidFill>
+                  <a:srgbClr val="000000"/>
+                </a:solidFill>
+                <a:bevel/>
+                <a:headEnd/>
+                <a:tailEnd/>
+              </a14:hiddenLine>
+            </a:ext>
+          </a:extLst>
+        </p:spPr>
+        <p:txBody>
+          <a:bodyPr wrap="none">
+            <a:spAutoFit/>
+          </a:bodyPr>
+          <a:lstStyle>
+            <a:lvl1pPr eaLnBrk="0" hangingPunct="0">
+              <a:defRPr>
+                <a:solidFill>
+                  <a:schemeClr val="tx1"/>
+                </a:solidFill>
+                <a:latin typeface="Arial" panose="020B0604020202020204" pitchFamily="34" charset="0"/>
+                <a:cs typeface="Arial" panose="020B0604020202020204" pitchFamily="34" charset="0"/>
+              </a:defRPr>
+            </a:lvl1pPr>
+            <a:lvl2pPr marL="742950" indent="-285750" eaLnBrk="0" hangingPunct="0">
+              <a:defRPr>
+                <a:solidFill>
+                  <a:schemeClr val="tx1"/>
+                </a:solidFill>
+                <a:latin typeface="Arial" panose="020B0604020202020204" pitchFamily="34" charset="0"/>
+                <a:cs typeface="Arial" panose="020B0604020202020204" pitchFamily="34" charset="0"/>
+              </a:defRPr>
+            </a:lvl2pPr>
+            <a:lvl3pPr marL="1143000" indent="-228600" eaLnBrk="0" hangingPunct="0">
+              <a:defRPr>
+                <a:solidFill>
+                  <a:schemeClr val="tx1"/>
+                </a:solidFill>
+                <a:latin typeface="Arial" panose="020B0604020202020204" pitchFamily="34" charset="0"/>
+                <a:cs typeface="Arial" panose="020B0604020202020204" pitchFamily="34" charset="0"/>
+              </a:defRPr>
+            </a:lvl3pPr>
+            <a:lvl4pPr marL="1600200" indent="-228600" eaLnBrk="0" hangingPunct="0">
+              <a:defRPr>
+                <a:solidFill>
+                  <a:schemeClr val="tx1"/>
+                </a:solidFill>
+                <a:latin typeface="Arial" panose="020B0604020202020204" pitchFamily="34" charset="0"/>
+                <a:cs typeface="Arial" panose="020B0604020202020204" pitchFamily="34" charset="0"/>
+              </a:defRPr>
+            </a:lvl4pPr>
+            <a:lvl5pPr marL="2057400" indent="-228600" eaLnBrk="0" hangingPunct="0">
+              <a:defRPr>
+                <a:solidFill>
+                  <a:schemeClr val="tx1"/>
+                </a:solidFill>
+                <a:latin typeface="Arial" panose="020B0604020202020204" pitchFamily="34" charset="0"/>
+                <a:cs typeface="Arial" panose="020B0604020202020204" pitchFamily="34" charset="0"/>
+              </a:defRPr>
+            </a:lvl5pPr>
+            <a:lvl6pPr marL="2514600" indent="-228600" eaLnBrk="0" fontAlgn="base" hangingPunct="0">
+              <a:spcBef>
+                <a:spcPct val="0"/>
+              </a:spcBef>
+              <a:spcAft>
+                <a:spcPct val="0"/>
+              </a:spcAft>
+              <a:buFont typeface="Arial" panose="020B0604020202020204" pitchFamily="34" charset="0"/>
+              <a:defRPr>
+                <a:solidFill>
+                  <a:schemeClr val="tx1"/>
+                </a:solidFill>
+                <a:latin typeface="Arial" panose="020B0604020202020204" pitchFamily="34" charset="0"/>
+                <a:cs typeface="Arial" panose="020B0604020202020204" pitchFamily="34" charset="0"/>
+              </a:defRPr>
+            </a:lvl6pPr>
+            <a:lvl7pPr marL="2971800" indent="-228600" eaLnBrk="0" fontAlgn="base" hangingPunct="0">
+              <a:spcBef>
+                <a:spcPct val="0"/>
+              </a:spcBef>
+              <a:spcAft>
+                <a:spcPct val="0"/>
+              </a:spcAft>
+              <a:buFont typeface="Arial" panose="020B0604020202020204" pitchFamily="34" charset="0"/>
+              <a:defRPr>
+                <a:solidFill>
+                  <a:schemeClr val="tx1"/>
+                </a:solidFill>
+                <a:latin typeface="Arial" panose="020B0604020202020204" pitchFamily="34" charset="0"/>
+                <a:cs typeface="Arial" panose="020B0604020202020204" pitchFamily="34" charset="0"/>
+              </a:defRPr>
+            </a:lvl7pPr>
+            <a:lvl8pPr marL="3429000" indent="-228600" eaLnBrk="0" fontAlgn="base" hangingPunct="0">
+              <a:spcBef>
+                <a:spcPct val="0"/>
+              </a:spcBef>
+              <a:spcAft>
+                <a:spcPct val="0"/>
+              </a:spcAft>
+              <a:buFont typeface="Arial" panose="020B0604020202020204" pitchFamily="34" charset="0"/>
+              <a:defRPr>
+                <a:solidFill>
+                  <a:schemeClr val="tx1"/>
+                </a:solidFill>
+                <a:latin typeface="Arial" panose="020B0604020202020204" pitchFamily="34" charset="0"/>
+                <a:cs typeface="Arial" panose="020B0604020202020204" pitchFamily="34" charset="0"/>
+              </a:defRPr>
+            </a:lvl8pPr>
+            <a:lvl9pPr marL="3886200" indent="-228600" eaLnBrk="0" fontAlgn="base" hangingPunct="0">
+              <a:spcBef>
+                <a:spcPct val="0"/>
+              </a:spcBef>
+              <a:spcAft>
+                <a:spcPct val="0"/>
+              </a:spcAft>
+              <a:buFont typeface="Arial" panose="020B0604020202020204" pitchFamily="34" charset="0"/>
+              <a:defRPr>
+                <a:solidFill>
+                  <a:schemeClr val="tx1"/>
+                </a:solidFill>
+                <a:latin typeface="Arial" panose="020B0604020202020204" pitchFamily="34" charset="0"/>
+                <a:cs typeface="Arial" panose="020B0604020202020204" pitchFamily="34" charset="0"/>
+              </a:defRPr>
+            </a:lvl9pPr>
+          </a:lstStyle>
+          <a:p>
+            <a:pPr eaLnBrk="1" hangingPunct="1"/>
+            <a:r>
+              <a:rPr lang="id-ID" altLang="en-US" sz="4800" dirty="0" err="1">
+                <a:solidFill>
+                  <a:schemeClr val="bg1"/>
+                </a:solidFill>
+                <a:latin typeface="Segoe UI Black" charset="0"/>
+              </a:rPr>
+              <a:t>Thank</a:t>
+            </a:r>
+            <a:r>
+              <a:rPr lang="id-ID" altLang="en-US" sz="4800" dirty="0">
+                <a:solidFill>
+                  <a:schemeClr val="bg1"/>
+                </a:solidFill>
+                <a:latin typeface="Segoe UI Black" charset="0"/>
+              </a:rPr>
+              <a:t> You!</a:t>
+            </a:r>
+          </a:p>
+        </p:txBody>
+      </p:sp>
+    </p:spTree>
+    <p:extLst>
+      <p:ext uri="{BB962C8B-B14F-4D97-AF65-F5344CB8AC3E}">
+        <p14:creationId xmlns:p14="http://schemas.microsoft.com/office/powerpoint/2010/main" val="891493622"/>
+      </p:ext>
+    </p:extLst>
+  </p:cSld>
+  <p:clrMapOvr>
+    <a:masterClrMapping/>
+  </p:clrMapOvr>
+</p:sldLayout>
+</file>
+
+<file path=ppt/slideLayouts/slideLayout6.xml><?xml version="1.0" encoding="utf-8"?>
 <p:sldLayout xmlns:a="http://schemas.openxmlformats.org/drawingml/2006/main" xmlns:r="http://schemas.openxmlformats.org/officeDocument/2006/relationships" xmlns:p="http://schemas.openxmlformats.org/presentationml/2006/main" type="obj" preserve="1">
   <p:cSld name="Title and Content">
     <p:spTree>
@@ -954,10 +3013,9 @@
           </a:lstStyle>
           <a:p>
             <a:r>
-              <a:rPr lang="en-US" dirty="0" smtClean="0"/>
+              <a:rPr lang="en-US" dirty="0"/>
               <a:t>Click to edit Master title style</a:t>
             </a:r>
-            <a:endParaRPr lang="en-US" dirty="0"/>
           </a:p>
         </p:txBody>
       </p:sp>
@@ -978,38 +3036,37 @@
           <a:p>
             <a:pPr lvl="0"/>
             <a:r>
-              <a:rPr lang="en-US" dirty="0" smtClean="0"/>
+              <a:rPr lang="en-US" dirty="0"/>
               <a:t>Click to edit Master text styles</a:t>
             </a:r>
           </a:p>
           <a:p>
             <a:pPr lvl="1"/>
             <a:r>
-              <a:rPr lang="en-US" dirty="0" smtClean="0"/>
+              <a:rPr lang="en-US" dirty="0"/>
               <a:t>Second level</a:t>
             </a:r>
           </a:p>
           <a:p>
             <a:pPr lvl="2"/>
             <a:r>
-              <a:rPr lang="en-US" dirty="0" smtClean="0"/>
+              <a:rPr lang="en-US" dirty="0"/>
               <a:t>Third level</a:t>
             </a:r>
           </a:p>
           <a:p>
             <a:pPr lvl="3"/>
             <a:r>
-              <a:rPr lang="en-US" dirty="0" smtClean="0"/>
+              <a:rPr lang="en-US" dirty="0"/>
               <a:t>Fourth level</a:t>
             </a:r>
           </a:p>
           <a:p>
             <a:pPr lvl="4"/>
             <a:r>
-              <a:rPr lang="en-US" dirty="0" smtClean="0"/>
+              <a:rPr lang="en-US" dirty="0"/>
               <a:t>Fifth level</a:t>
             </a:r>
-            <a:endParaRPr lang="en-US" dirty="0"/>
           </a:p>
         </p:txBody>
       </p:sp>
@@ -1030,7 +3087,7 @@
           <a:p>
             <a:fld id="{9CF5CD90-02D5-42B5-9671-27390D51D186}" type="datetimeFigureOut">
               <a:rPr lang="en-US" smtClean="0"/>
-              <a:t>2/1/2015</a:t>
+              <a:t>1/9/19</a:t>
             </a:fld>
             <a:endParaRPr lang="en-US"/>
           </a:p>
@@ -1091,7 +3148,7 @@
 </p:sldLayout>
 </file>
 
-<file path=ppt/slideLayouts/slideLayout3.xml><?xml version="1.0" encoding="utf-8"?>
+<file path=ppt/slideLayouts/slideLayout7.xml><?xml version="1.0" encoding="utf-8"?>
 <p:sldLayout xmlns:a="http://schemas.openxmlformats.org/drawingml/2006/main" xmlns:r="http://schemas.openxmlformats.org/officeDocument/2006/relationships" xmlns:p="http://schemas.openxmlformats.org/presentationml/2006/main" type="secHead" preserve="1">
   <p:cSld name="Section Header">
     <p:spTree>
@@ -1133,7 +3190,7 @@
           </a:lstStyle>
           <a:p>
             <a:r>
-              <a:rPr lang="en-US" smtClean="0"/>
+              <a:rPr lang="en-US"/>
               <a:t>Click to edit Master title style</a:t>
             </a:r>
             <a:endParaRPr lang="en-US" dirty="0"/>
@@ -1251,7 +3308,7 @@
           <a:p>
             <a:pPr lvl="0"/>
             <a:r>
-              <a:rPr lang="en-US" smtClean="0"/>
+              <a:rPr lang="en-US"/>
               <a:t>Click to edit Master text styles</a:t>
             </a:r>
           </a:p>
@@ -1274,7 +3331,7 @@
           <a:p>
             <a:fld id="{9CF5CD90-02D5-42B5-9671-27390D51D186}" type="datetimeFigureOut">
               <a:rPr lang="en-US" smtClean="0"/>
-              <a:t>2/1/2015</a:t>
+              <a:t>1/9/19</a:t>
             </a:fld>
             <a:endParaRPr lang="en-US"/>
           </a:p>
@@ -1335,7 +3392,7 @@
 </p:sldLayout>
 </file>
 
-<file path=ppt/slideLayouts/slideLayout4.xml><?xml version="1.0" encoding="utf-8"?>
+<file path=ppt/slideLayouts/slideLayout8.xml><?xml version="1.0" encoding="utf-8"?>
 <p:sldLayout xmlns:a="http://schemas.openxmlformats.org/drawingml/2006/main" xmlns:r="http://schemas.openxmlformats.org/officeDocument/2006/relationships" xmlns:p="http://schemas.openxmlformats.org/presentationml/2006/main" type="twoObj" preserve="1">
   <p:cSld name="Two Content">
     <p:spTree>
@@ -1368,7 +3425,7 @@
           <a:lstStyle/>
           <a:p>
             <a:r>
-              <a:rPr lang="en-US" smtClean="0"/>
+              <a:rPr lang="en-US"/>
               <a:t>Click to edit Master title style</a:t>
             </a:r>
             <a:endParaRPr lang="en-US" dirty="0"/>
@@ -1397,35 +3454,35 @@
           <a:p>
             <a:pPr lvl="0"/>
             <a:r>
-              <a:rPr lang="en-US" smtClean="0"/>
+              <a:rPr lang="en-US"/>
               <a:t>Click to edit Master text styles</a:t>
             </a:r>
           </a:p>
           <a:p>
             <a:pPr lvl="1"/>
             <a:r>
-              <a:rPr lang="en-US" smtClean="0"/>
+              <a:rPr lang="en-US"/>
               <a:t>Second level</a:t>
             </a:r>
           </a:p>
           <a:p>
             <a:pPr lvl="2"/>
             <a:r>
-              <a:rPr lang="en-US" smtClean="0"/>
+              <a:rPr lang="en-US"/>
               <a:t>Third level</a:t>
             </a:r>
           </a:p>
           <a:p>
             <a:pPr lvl="3"/>
             <a:r>
-              <a:rPr lang="en-US" smtClean="0"/>
+              <a:rPr lang="en-US"/>
               <a:t>Fourth level</a:t>
             </a:r>
           </a:p>
           <a:p>
             <a:pPr lvl="4"/>
             <a:r>
-              <a:rPr lang="en-US" smtClean="0"/>
+              <a:rPr lang="en-US"/>
               <a:t>Fifth level</a:t>
             </a:r>
             <a:endParaRPr lang="en-US" dirty="0"/>
@@ -1454,35 +3511,35 @@
           <a:p>
             <a:pPr lvl="0"/>
             <a:r>
-              <a:rPr lang="en-US" smtClean="0"/>
+              <a:rPr lang="en-US"/>
               <a:t>Click to edit Master text styles</a:t>
             </a:r>
           </a:p>
           <a:p>
             <a:pPr lvl="1"/>
             <a:r>
-              <a:rPr lang="en-US" smtClean="0"/>
+              <a:rPr lang="en-US"/>
               <a:t>Second level</a:t>
             </a:r>
           </a:p>
           <a:p>
             <a:pPr lvl="2"/>
             <a:r>
-              <a:rPr lang="en-US" smtClean="0"/>
+              <a:rPr lang="en-US"/>
               <a:t>Third level</a:t>
             </a:r>
           </a:p>
           <a:p>
             <a:pPr lvl="3"/>
             <a:r>
-              <a:rPr lang="en-US" smtClean="0"/>
+              <a:rPr lang="en-US"/>
               <a:t>Fourth level</a:t>
             </a:r>
           </a:p>
           <a:p>
             <a:pPr lvl="4"/>
             <a:r>
-              <a:rPr lang="en-US" smtClean="0"/>
+              <a:rPr lang="en-US"/>
               <a:t>Fifth level</a:t>
             </a:r>
             <a:endParaRPr lang="en-US" dirty="0"/>
@@ -1506,7 +3563,7 @@
           <a:p>
             <a:fld id="{9CF5CD90-02D5-42B5-9671-27390D51D186}" type="datetimeFigureOut">
               <a:rPr lang="en-US" smtClean="0"/>
-              <a:t>2/1/2015</a:t>
+              <a:t>1/9/19</a:t>
             </a:fld>
             <a:endParaRPr lang="en-US"/>
           </a:p>
@@ -1567,7 +3624,7 @@
 </p:sldLayout>
 </file>
 
-<file path=ppt/slideLayouts/slideLayout5.xml><?xml version="1.0" encoding="utf-8"?>
+<file path=ppt/slideLayouts/slideLayout9.xml><?xml version="1.0" encoding="utf-8"?>
 <p:sldLayout xmlns:a="http://schemas.openxmlformats.org/drawingml/2006/main" xmlns:r="http://schemas.openxmlformats.org/officeDocument/2006/relationships" xmlns:p="http://schemas.openxmlformats.org/presentationml/2006/main" type="twoTxTwoObj" preserve="1">
   <p:cSld name="Comparison">
     <p:spTree>
@@ -1605,7 +3662,7 @@
           <a:lstStyle/>
           <a:p>
             <a:r>
-              <a:rPr lang="en-US" smtClean="0"/>
+              <a:rPr lang="en-US"/>
               <a:t>Click to edit Master title style</a:t>
             </a:r>
             <a:endParaRPr lang="en-US" dirty="0"/>
@@ -1671,7 +3728,7 @@
           <a:p>
             <a:pPr lvl="0"/>
             <a:r>
-              <a:rPr lang="en-US" smtClean="0"/>
+              <a:rPr lang="en-US"/>
               <a:t>Click to edit Master text styles</a:t>
             </a:r>
           </a:p>
@@ -1699,35 +3756,35 @@
           <a:p>
             <a:pPr lvl="0"/>
             <a:r>
-              <a:rPr lang="en-US" smtClean="0"/>
+              <a:rPr lang="en-US"/>
               <a:t>Click to edit Master text styles</a:t>
             </a:r>
           </a:p>
           <a:p>
             <a:pPr lvl="1"/>
             <a:r>
-              <a:rPr lang="en-US" smtClean="0"/>
+              <a:rPr lang="en-US"/>
               <a:t>Second level</a:t>
             </a:r>
           </a:p>
           <a:p>
             <a:pPr lvl="2"/>
             <a:r>
-              <a:rPr lang="en-US" smtClean="0"/>
+              <a:rPr lang="en-US"/>
               <a:t>Third level</a:t>
             </a:r>
           </a:p>
           <a:p>
             <a:pPr lvl="3"/>
             <a:r>
-              <a:rPr lang="en-US" smtClean="0"/>
+              <a:rPr lang="en-US"/>
               <a:t>Fourth level</a:t>
             </a:r>
           </a:p>
           <a:p>
             <a:pPr lvl="4"/>
             <a:r>
-              <a:rPr lang="en-US" smtClean="0"/>
+              <a:rPr lang="en-US"/>
               <a:t>Fifth level</a:t>
             </a:r>
             <a:endParaRPr lang="en-US" dirty="0"/>
@@ -1793,7 +3850,7 @@
           <a:p>
             <a:pPr lvl="0"/>
             <a:r>
-              <a:rPr lang="en-US" smtClean="0"/>
+              <a:rPr lang="en-US"/>
               <a:t>Click to edit Master text styles</a:t>
             </a:r>
           </a:p>
@@ -1821,35 +3878,35 @@
           <a:p>
             <a:pPr lvl="0"/>
             <a:r>
-              <a:rPr lang="en-US" smtClean="0"/>
+              <a:rPr lang="en-US"/>
               <a:t>Click to edit Master text styles</a:t>
             </a:r>
           </a:p>
           <a:p>
             <a:pPr lvl="1"/>
             <a:r>
-              <a:rPr lang="en-US" smtClean="0"/>
+              <a:rPr lang="en-US"/>
               <a:t>Second level</a:t>
             </a:r>
           </a:p>
           <a:p>
             <a:pPr lvl="2"/>
             <a:r>
-              <a:rPr lang="en-US" smtClean="0"/>
+              <a:rPr lang="en-US"/>
               <a:t>Third level</a:t>
             </a:r>
           </a:p>
           <a:p>
             <a:pPr lvl="3"/>
             <a:r>
-              <a:rPr lang="en-US" smtClean="0"/>
+              <a:rPr lang="en-US"/>
               <a:t>Fourth level</a:t>
             </a:r>
           </a:p>
           <a:p>
             <a:pPr lvl="4"/>
             <a:r>
-              <a:rPr lang="en-US" smtClean="0"/>
+              <a:rPr lang="en-US"/>
               <a:t>Fifth level</a:t>
             </a:r>
             <a:endParaRPr lang="en-US" dirty="0"/>
@@ -1873,7 +3930,7 @@
           <a:p>
             <a:fld id="{9CF5CD90-02D5-42B5-9671-27390D51D186}" type="datetimeFigureOut">
               <a:rPr lang="en-US" smtClean="0"/>
-              <a:t>2/1/2015</a:t>
+              <a:t>1/9/19</a:t>
             </a:fld>
             <a:endParaRPr lang="en-US"/>
           </a:p>
@@ -1925,1278 +3982,6 @@
     <p:extLst>
       <p:ext uri="{BB962C8B-B14F-4D97-AF65-F5344CB8AC3E}">
         <p14:creationId xmlns:p14="http://schemas.microsoft.com/office/powerpoint/2010/main" val="2235620905"/>
-      </p:ext>
-    </p:extLst>
-  </p:cSld>
-  <p:clrMapOvr>
-    <a:masterClrMapping/>
-  </p:clrMapOvr>
-</p:sldLayout>
-</file>
-
-<file path=ppt/slideLayouts/slideLayout6.xml><?xml version="1.0" encoding="utf-8"?>
-<p:sldLayout xmlns:a="http://schemas.openxmlformats.org/drawingml/2006/main" xmlns:r="http://schemas.openxmlformats.org/officeDocument/2006/relationships" xmlns:p="http://schemas.openxmlformats.org/presentationml/2006/main" type="titleOnly" preserve="1">
-  <p:cSld name="Title Only">
-    <p:spTree>
-      <p:nvGrpSpPr>
-        <p:cNvPr id="1" name=""/>
-        <p:cNvGrpSpPr/>
-        <p:nvPr/>
-      </p:nvGrpSpPr>
-      <p:grpSpPr>
-        <a:xfrm>
-          <a:off x="0" y="0"/>
-          <a:ext cx="0" cy="0"/>
-          <a:chOff x="0" y="0"/>
-          <a:chExt cx="0" cy="0"/>
-        </a:xfrm>
-      </p:grpSpPr>
-      <p:sp>
-        <p:nvSpPr>
-          <p:cNvPr id="2" name="Title 1"/>
-          <p:cNvSpPr>
-            <a:spLocks noGrp="1"/>
-          </p:cNvSpPr>
-          <p:nvPr>
-            <p:ph type="title"/>
-          </p:nvPr>
-        </p:nvSpPr>
-        <p:spPr/>
-        <p:txBody>
-          <a:bodyPr/>
-          <a:lstStyle/>
-          <a:p>
-            <a:r>
-              <a:rPr lang="en-US" smtClean="0"/>
-              <a:t>Click to edit Master title style</a:t>
-            </a:r>
-            <a:endParaRPr lang="en-US" dirty="0"/>
-          </a:p>
-        </p:txBody>
-      </p:sp>
-      <p:sp>
-        <p:nvSpPr>
-          <p:cNvPr id="3" name="Date Placeholder 2"/>
-          <p:cNvSpPr>
-            <a:spLocks noGrp="1"/>
-          </p:cNvSpPr>
-          <p:nvPr>
-            <p:ph type="dt" sz="half" idx="10"/>
-          </p:nvPr>
-        </p:nvSpPr>
-        <p:spPr/>
-        <p:txBody>
-          <a:bodyPr/>
-          <a:lstStyle/>
-          <a:p>
-            <a:fld id="{9CF5CD90-02D5-42B5-9671-27390D51D186}" type="datetimeFigureOut">
-              <a:rPr lang="en-US" smtClean="0"/>
-              <a:t>2/1/2015</a:t>
-            </a:fld>
-            <a:endParaRPr lang="en-US"/>
-          </a:p>
-        </p:txBody>
-      </p:sp>
-      <p:sp>
-        <p:nvSpPr>
-          <p:cNvPr id="4" name="Footer Placeholder 3"/>
-          <p:cNvSpPr>
-            <a:spLocks noGrp="1"/>
-          </p:cNvSpPr>
-          <p:nvPr>
-            <p:ph type="ftr" sz="quarter" idx="11"/>
-          </p:nvPr>
-        </p:nvSpPr>
-        <p:spPr/>
-        <p:txBody>
-          <a:bodyPr/>
-          <a:lstStyle/>
-          <a:p>
-            <a:endParaRPr lang="en-US"/>
-          </a:p>
-        </p:txBody>
-      </p:sp>
-      <p:sp>
-        <p:nvSpPr>
-          <p:cNvPr id="5" name="Slide Number Placeholder 4"/>
-          <p:cNvSpPr>
-            <a:spLocks noGrp="1"/>
-          </p:cNvSpPr>
-          <p:nvPr>
-            <p:ph type="sldNum" sz="quarter" idx="12"/>
-          </p:nvPr>
-        </p:nvSpPr>
-        <p:spPr/>
-        <p:txBody>
-          <a:bodyPr/>
-          <a:lstStyle/>
-          <a:p>
-            <a:fld id="{42E042FC-BE89-4002-A595-47B9A1F4C487}" type="slidenum">
-              <a:rPr lang="en-US" smtClean="0"/>
-              <a:t>‹#›</a:t>
-            </a:fld>
-            <a:endParaRPr lang="en-US"/>
-          </a:p>
-        </p:txBody>
-      </p:sp>
-    </p:spTree>
-    <p:extLst>
-      <p:ext uri="{BB962C8B-B14F-4D97-AF65-F5344CB8AC3E}">
-        <p14:creationId xmlns:p14="http://schemas.microsoft.com/office/powerpoint/2010/main" val="1435250039"/>
-      </p:ext>
-    </p:extLst>
-  </p:cSld>
-  <p:clrMapOvr>
-    <a:masterClrMapping/>
-  </p:clrMapOvr>
-</p:sldLayout>
-</file>
-
-<file path=ppt/slideLayouts/slideLayout7.xml><?xml version="1.0" encoding="utf-8"?>
-<p:sldLayout xmlns:a="http://schemas.openxmlformats.org/drawingml/2006/main" xmlns:r="http://schemas.openxmlformats.org/officeDocument/2006/relationships" xmlns:p="http://schemas.openxmlformats.org/presentationml/2006/main" type="blank" preserve="1">
-  <p:cSld name="Blank">
-    <p:spTree>
-      <p:nvGrpSpPr>
-        <p:cNvPr id="1" name=""/>
-        <p:cNvGrpSpPr/>
-        <p:nvPr/>
-      </p:nvGrpSpPr>
-      <p:grpSpPr>
-        <a:xfrm>
-          <a:off x="0" y="0"/>
-          <a:ext cx="0" cy="0"/>
-          <a:chOff x="0" y="0"/>
-          <a:chExt cx="0" cy="0"/>
-        </a:xfrm>
-      </p:grpSpPr>
-      <p:sp>
-        <p:nvSpPr>
-          <p:cNvPr id="2" name="Date Placeholder 1"/>
-          <p:cNvSpPr>
-            <a:spLocks noGrp="1"/>
-          </p:cNvSpPr>
-          <p:nvPr>
-            <p:ph type="dt" sz="half" idx="10"/>
-          </p:nvPr>
-        </p:nvSpPr>
-        <p:spPr/>
-        <p:txBody>
-          <a:bodyPr/>
-          <a:lstStyle/>
-          <a:p>
-            <a:fld id="{9CF5CD90-02D5-42B5-9671-27390D51D186}" type="datetimeFigureOut">
-              <a:rPr lang="en-US" smtClean="0"/>
-              <a:t>2/1/2015</a:t>
-            </a:fld>
-            <a:endParaRPr lang="en-US"/>
-          </a:p>
-        </p:txBody>
-      </p:sp>
-      <p:sp>
-        <p:nvSpPr>
-          <p:cNvPr id="3" name="Footer Placeholder 2"/>
-          <p:cNvSpPr>
-            <a:spLocks noGrp="1"/>
-          </p:cNvSpPr>
-          <p:nvPr>
-            <p:ph type="ftr" sz="quarter" idx="11"/>
-          </p:nvPr>
-        </p:nvSpPr>
-        <p:spPr/>
-        <p:txBody>
-          <a:bodyPr/>
-          <a:lstStyle/>
-          <a:p>
-            <a:endParaRPr lang="en-US"/>
-          </a:p>
-        </p:txBody>
-      </p:sp>
-      <p:sp>
-        <p:nvSpPr>
-          <p:cNvPr id="4" name="Slide Number Placeholder 3"/>
-          <p:cNvSpPr>
-            <a:spLocks noGrp="1"/>
-          </p:cNvSpPr>
-          <p:nvPr>
-            <p:ph type="sldNum" sz="quarter" idx="12"/>
-          </p:nvPr>
-        </p:nvSpPr>
-        <p:spPr/>
-        <p:txBody>
-          <a:bodyPr/>
-          <a:lstStyle/>
-          <a:p>
-            <a:fld id="{42E042FC-BE89-4002-A595-47B9A1F4C487}" type="slidenum">
-              <a:rPr lang="en-US" smtClean="0"/>
-              <a:t>‹#›</a:t>
-            </a:fld>
-            <a:endParaRPr lang="en-US"/>
-          </a:p>
-        </p:txBody>
-      </p:sp>
-      <p:sp>
-        <p:nvSpPr>
-          <p:cNvPr id="5" name="Rectangle 2"/>
-          <p:cNvSpPr>
-            <a:spLocks noChangeArrowheads="1"/>
-          </p:cNvSpPr>
-          <p:nvPr userDrawn="1"/>
-        </p:nvSpPr>
-        <p:spPr bwMode="auto">
-          <a:xfrm>
-            <a:off x="-14288" y="2184400"/>
-            <a:ext cx="9151938" cy="4092575"/>
-          </a:xfrm>
-          <a:prstGeom prst="rect">
-            <a:avLst/>
-          </a:prstGeom>
-          <a:solidFill>
-            <a:srgbClr val="393633"/>
-          </a:solidFill>
-          <a:ln>
-            <a:noFill/>
-          </a:ln>
-          <a:extLst>
-            <a:ext uri="{91240B29-F687-4F45-9708-019B960494DF}">
-              <a14:hiddenLine xmlns:a14="http://schemas.microsoft.com/office/drawing/2010/main" w="9525">
-                <a:solidFill>
-                  <a:srgbClr val="000000"/>
-                </a:solidFill>
-                <a:bevel/>
-                <a:headEnd/>
-                <a:tailEnd/>
-              </a14:hiddenLine>
-            </a:ext>
-          </a:extLst>
-        </p:spPr>
-        <p:txBody>
-          <a:bodyPr anchor="ctr"/>
-          <a:lstStyle>
-            <a:lvl1pPr eaLnBrk="0" hangingPunct="0">
-              <a:defRPr>
-                <a:solidFill>
-                  <a:schemeClr val="tx1"/>
-                </a:solidFill>
-                <a:latin typeface="Arial" panose="020B0604020202020204" pitchFamily="34" charset="0"/>
-                <a:cs typeface="Arial" panose="020B0604020202020204" pitchFamily="34" charset="0"/>
-              </a:defRPr>
-            </a:lvl1pPr>
-            <a:lvl2pPr marL="742950" indent="-285750" eaLnBrk="0" hangingPunct="0">
-              <a:defRPr>
-                <a:solidFill>
-                  <a:schemeClr val="tx1"/>
-                </a:solidFill>
-                <a:latin typeface="Arial" panose="020B0604020202020204" pitchFamily="34" charset="0"/>
-                <a:cs typeface="Arial" panose="020B0604020202020204" pitchFamily="34" charset="0"/>
-              </a:defRPr>
-            </a:lvl2pPr>
-            <a:lvl3pPr marL="1143000" indent="-228600" eaLnBrk="0" hangingPunct="0">
-              <a:defRPr>
-                <a:solidFill>
-                  <a:schemeClr val="tx1"/>
-                </a:solidFill>
-                <a:latin typeface="Arial" panose="020B0604020202020204" pitchFamily="34" charset="0"/>
-                <a:cs typeface="Arial" panose="020B0604020202020204" pitchFamily="34" charset="0"/>
-              </a:defRPr>
-            </a:lvl3pPr>
-            <a:lvl4pPr marL="1600200" indent="-228600" eaLnBrk="0" hangingPunct="0">
-              <a:defRPr>
-                <a:solidFill>
-                  <a:schemeClr val="tx1"/>
-                </a:solidFill>
-                <a:latin typeface="Arial" panose="020B0604020202020204" pitchFamily="34" charset="0"/>
-                <a:cs typeface="Arial" panose="020B0604020202020204" pitchFamily="34" charset="0"/>
-              </a:defRPr>
-            </a:lvl4pPr>
-            <a:lvl5pPr marL="2057400" indent="-228600" eaLnBrk="0" hangingPunct="0">
-              <a:defRPr>
-                <a:solidFill>
-                  <a:schemeClr val="tx1"/>
-                </a:solidFill>
-                <a:latin typeface="Arial" panose="020B0604020202020204" pitchFamily="34" charset="0"/>
-                <a:cs typeface="Arial" panose="020B0604020202020204" pitchFamily="34" charset="0"/>
-              </a:defRPr>
-            </a:lvl5pPr>
-            <a:lvl6pPr marL="2514600" indent="-228600" eaLnBrk="0" fontAlgn="base" hangingPunct="0">
-              <a:spcBef>
-                <a:spcPct val="0"/>
-              </a:spcBef>
-              <a:spcAft>
-                <a:spcPct val="0"/>
-              </a:spcAft>
-              <a:buFont typeface="Arial" panose="020B0604020202020204" pitchFamily="34" charset="0"/>
-              <a:defRPr>
-                <a:solidFill>
-                  <a:schemeClr val="tx1"/>
-                </a:solidFill>
-                <a:latin typeface="Arial" panose="020B0604020202020204" pitchFamily="34" charset="0"/>
-                <a:cs typeface="Arial" panose="020B0604020202020204" pitchFamily="34" charset="0"/>
-              </a:defRPr>
-            </a:lvl6pPr>
-            <a:lvl7pPr marL="2971800" indent="-228600" eaLnBrk="0" fontAlgn="base" hangingPunct="0">
-              <a:spcBef>
-                <a:spcPct val="0"/>
-              </a:spcBef>
-              <a:spcAft>
-                <a:spcPct val="0"/>
-              </a:spcAft>
-              <a:buFont typeface="Arial" panose="020B0604020202020204" pitchFamily="34" charset="0"/>
-              <a:defRPr>
-                <a:solidFill>
-                  <a:schemeClr val="tx1"/>
-                </a:solidFill>
-                <a:latin typeface="Arial" panose="020B0604020202020204" pitchFamily="34" charset="0"/>
-                <a:cs typeface="Arial" panose="020B0604020202020204" pitchFamily="34" charset="0"/>
-              </a:defRPr>
-            </a:lvl7pPr>
-            <a:lvl8pPr marL="3429000" indent="-228600" eaLnBrk="0" fontAlgn="base" hangingPunct="0">
-              <a:spcBef>
-                <a:spcPct val="0"/>
-              </a:spcBef>
-              <a:spcAft>
-                <a:spcPct val="0"/>
-              </a:spcAft>
-              <a:buFont typeface="Arial" panose="020B0604020202020204" pitchFamily="34" charset="0"/>
-              <a:defRPr>
-                <a:solidFill>
-                  <a:schemeClr val="tx1"/>
-                </a:solidFill>
-                <a:latin typeface="Arial" panose="020B0604020202020204" pitchFamily="34" charset="0"/>
-                <a:cs typeface="Arial" panose="020B0604020202020204" pitchFamily="34" charset="0"/>
-              </a:defRPr>
-            </a:lvl8pPr>
-            <a:lvl9pPr marL="3886200" indent="-228600" eaLnBrk="0" fontAlgn="base" hangingPunct="0">
-              <a:spcBef>
-                <a:spcPct val="0"/>
-              </a:spcBef>
-              <a:spcAft>
-                <a:spcPct val="0"/>
-              </a:spcAft>
-              <a:buFont typeface="Arial" panose="020B0604020202020204" pitchFamily="34" charset="0"/>
-              <a:defRPr>
-                <a:solidFill>
-                  <a:schemeClr val="tx1"/>
-                </a:solidFill>
-                <a:latin typeface="Arial" panose="020B0604020202020204" pitchFamily="34" charset="0"/>
-                <a:cs typeface="Arial" panose="020B0604020202020204" pitchFamily="34" charset="0"/>
-              </a:defRPr>
-            </a:lvl9pPr>
-          </a:lstStyle>
-          <a:p>
-            <a:pPr eaLnBrk="1" hangingPunct="1"/>
-            <a:endParaRPr lang="id-ID"/>
-          </a:p>
-        </p:txBody>
-      </p:sp>
-      <p:pic>
-        <p:nvPicPr>
-          <p:cNvPr id="6" name="Picture 3" descr="mario2"/>
-          <p:cNvPicPr>
-            <a:picLocks noChangeAspect="1" noChangeArrowheads="1"/>
-          </p:cNvPicPr>
-          <p:nvPr userDrawn="1"/>
-        </p:nvPicPr>
-        <p:blipFill>
-          <a:blip r:embed="rId2">
-            <a:extLst>
-              <a:ext uri="{28A0092B-C50C-407E-A947-70E740481C1C}">
-                <a14:useLocalDpi xmlns:a14="http://schemas.microsoft.com/office/drawing/2010/main" val="0"/>
-              </a:ext>
-            </a:extLst>
-          </a:blip>
-          <a:srcRect t="2596" r="31505" b="17142"/>
-          <a:stretch>
-            <a:fillRect/>
-          </a:stretch>
-        </p:blipFill>
-        <p:spPr>
-          <a:xfrm>
-            <a:off x="3252788" y="9525"/>
-            <a:ext cx="5900737" cy="6873875"/>
-          </a:xfrm>
-          <a:prstGeom prst="rect">
-            <a:avLst/>
-          </a:prstGeom>
-          <a:noFill/>
-        </p:spPr>
-      </p:pic>
-      <p:sp>
-        <p:nvSpPr>
-          <p:cNvPr id="7" name="Text Box 4"/>
-          <p:cNvSpPr txBox="1">
-            <a:spLocks noChangeArrowheads="1"/>
-          </p:cNvSpPr>
-          <p:nvPr userDrawn="1"/>
-        </p:nvSpPr>
-        <p:spPr bwMode="auto">
-          <a:xfrm>
-            <a:off x="146050" y="2570163"/>
-            <a:ext cx="3587750" cy="822325"/>
-          </a:xfrm>
-          <a:prstGeom prst="rect">
-            <a:avLst/>
-          </a:prstGeom>
-          <a:noFill/>
-          <a:ln>
-            <a:noFill/>
-          </a:ln>
-          <a:extLst>
-            <a:ext uri="{909E8E84-426E-40DD-AFC4-6F175D3DCCD1}">
-              <a14:hiddenFill xmlns:a14="http://schemas.microsoft.com/office/drawing/2010/main">
-                <a:solidFill>
-                  <a:srgbClr val="FFFFFF"/>
-                </a:solidFill>
-              </a14:hiddenFill>
-            </a:ext>
-            <a:ext uri="{91240B29-F687-4F45-9708-019B960494DF}">
-              <a14:hiddenLine xmlns:a14="http://schemas.microsoft.com/office/drawing/2010/main" w="9525">
-                <a:solidFill>
-                  <a:srgbClr val="000000"/>
-                </a:solidFill>
-                <a:bevel/>
-                <a:headEnd/>
-                <a:tailEnd/>
-              </a14:hiddenLine>
-            </a:ext>
-          </a:extLst>
-        </p:spPr>
-        <p:txBody>
-          <a:bodyPr wrap="none">
-            <a:spAutoFit/>
-          </a:bodyPr>
-          <a:lstStyle>
-            <a:lvl1pPr eaLnBrk="0" hangingPunct="0">
-              <a:defRPr>
-                <a:solidFill>
-                  <a:schemeClr val="tx1"/>
-                </a:solidFill>
-                <a:latin typeface="Arial" panose="020B0604020202020204" pitchFamily="34" charset="0"/>
-                <a:cs typeface="Arial" panose="020B0604020202020204" pitchFamily="34" charset="0"/>
-              </a:defRPr>
-            </a:lvl1pPr>
-            <a:lvl2pPr marL="742950" indent="-285750" eaLnBrk="0" hangingPunct="0">
-              <a:defRPr>
-                <a:solidFill>
-                  <a:schemeClr val="tx1"/>
-                </a:solidFill>
-                <a:latin typeface="Arial" panose="020B0604020202020204" pitchFamily="34" charset="0"/>
-                <a:cs typeface="Arial" panose="020B0604020202020204" pitchFamily="34" charset="0"/>
-              </a:defRPr>
-            </a:lvl2pPr>
-            <a:lvl3pPr marL="1143000" indent="-228600" eaLnBrk="0" hangingPunct="0">
-              <a:defRPr>
-                <a:solidFill>
-                  <a:schemeClr val="tx1"/>
-                </a:solidFill>
-                <a:latin typeface="Arial" panose="020B0604020202020204" pitchFamily="34" charset="0"/>
-                <a:cs typeface="Arial" panose="020B0604020202020204" pitchFamily="34" charset="0"/>
-              </a:defRPr>
-            </a:lvl3pPr>
-            <a:lvl4pPr marL="1600200" indent="-228600" eaLnBrk="0" hangingPunct="0">
-              <a:defRPr>
-                <a:solidFill>
-                  <a:schemeClr val="tx1"/>
-                </a:solidFill>
-                <a:latin typeface="Arial" panose="020B0604020202020204" pitchFamily="34" charset="0"/>
-                <a:cs typeface="Arial" panose="020B0604020202020204" pitchFamily="34" charset="0"/>
-              </a:defRPr>
-            </a:lvl4pPr>
-            <a:lvl5pPr marL="2057400" indent="-228600" eaLnBrk="0" hangingPunct="0">
-              <a:defRPr>
-                <a:solidFill>
-                  <a:schemeClr val="tx1"/>
-                </a:solidFill>
-                <a:latin typeface="Arial" panose="020B0604020202020204" pitchFamily="34" charset="0"/>
-                <a:cs typeface="Arial" panose="020B0604020202020204" pitchFamily="34" charset="0"/>
-              </a:defRPr>
-            </a:lvl5pPr>
-            <a:lvl6pPr marL="2514600" indent="-228600" eaLnBrk="0" fontAlgn="base" hangingPunct="0">
-              <a:spcBef>
-                <a:spcPct val="0"/>
-              </a:spcBef>
-              <a:spcAft>
-                <a:spcPct val="0"/>
-              </a:spcAft>
-              <a:buFont typeface="Arial" panose="020B0604020202020204" pitchFamily="34" charset="0"/>
-              <a:defRPr>
-                <a:solidFill>
-                  <a:schemeClr val="tx1"/>
-                </a:solidFill>
-                <a:latin typeface="Arial" panose="020B0604020202020204" pitchFamily="34" charset="0"/>
-                <a:cs typeface="Arial" panose="020B0604020202020204" pitchFamily="34" charset="0"/>
-              </a:defRPr>
-            </a:lvl6pPr>
-            <a:lvl7pPr marL="2971800" indent="-228600" eaLnBrk="0" fontAlgn="base" hangingPunct="0">
-              <a:spcBef>
-                <a:spcPct val="0"/>
-              </a:spcBef>
-              <a:spcAft>
-                <a:spcPct val="0"/>
-              </a:spcAft>
-              <a:buFont typeface="Arial" panose="020B0604020202020204" pitchFamily="34" charset="0"/>
-              <a:defRPr>
-                <a:solidFill>
-                  <a:schemeClr val="tx1"/>
-                </a:solidFill>
-                <a:latin typeface="Arial" panose="020B0604020202020204" pitchFamily="34" charset="0"/>
-                <a:cs typeface="Arial" panose="020B0604020202020204" pitchFamily="34" charset="0"/>
-              </a:defRPr>
-            </a:lvl7pPr>
-            <a:lvl8pPr marL="3429000" indent="-228600" eaLnBrk="0" fontAlgn="base" hangingPunct="0">
-              <a:spcBef>
-                <a:spcPct val="0"/>
-              </a:spcBef>
-              <a:spcAft>
-                <a:spcPct val="0"/>
-              </a:spcAft>
-              <a:buFont typeface="Arial" panose="020B0604020202020204" pitchFamily="34" charset="0"/>
-              <a:defRPr>
-                <a:solidFill>
-                  <a:schemeClr val="tx1"/>
-                </a:solidFill>
-                <a:latin typeface="Arial" panose="020B0604020202020204" pitchFamily="34" charset="0"/>
-                <a:cs typeface="Arial" panose="020B0604020202020204" pitchFamily="34" charset="0"/>
-              </a:defRPr>
-            </a:lvl8pPr>
-            <a:lvl9pPr marL="3886200" indent="-228600" eaLnBrk="0" fontAlgn="base" hangingPunct="0">
-              <a:spcBef>
-                <a:spcPct val="0"/>
-              </a:spcBef>
-              <a:spcAft>
-                <a:spcPct val="0"/>
-              </a:spcAft>
-              <a:buFont typeface="Arial" panose="020B0604020202020204" pitchFamily="34" charset="0"/>
-              <a:defRPr>
-                <a:solidFill>
-                  <a:schemeClr val="tx1"/>
-                </a:solidFill>
-                <a:latin typeface="Arial" panose="020B0604020202020204" pitchFamily="34" charset="0"/>
-                <a:cs typeface="Arial" panose="020B0604020202020204" pitchFamily="34" charset="0"/>
-              </a:defRPr>
-            </a:lvl9pPr>
-          </a:lstStyle>
-          <a:p>
-            <a:pPr eaLnBrk="1" hangingPunct="1"/>
-            <a:r>
-              <a:rPr lang="id-ID" altLang="en-US" sz="4800">
-                <a:solidFill>
-                  <a:schemeClr val="bg1"/>
-                </a:solidFill>
-                <a:latin typeface="Segoe UI Black" charset="0"/>
-              </a:rPr>
-              <a:t>Thank You!</a:t>
-            </a:r>
-          </a:p>
-        </p:txBody>
-      </p:sp>
-      <p:sp>
-        <p:nvSpPr>
-          <p:cNvPr id="8" name="Text Box 5"/>
-          <p:cNvSpPr txBox="1">
-            <a:spLocks noChangeArrowheads="1"/>
-          </p:cNvSpPr>
-          <p:nvPr userDrawn="1"/>
-        </p:nvSpPr>
-        <p:spPr bwMode="auto">
-          <a:xfrm>
-            <a:off x="261938" y="3176588"/>
-            <a:ext cx="1525587" cy="396875"/>
-          </a:xfrm>
-          <a:prstGeom prst="rect">
-            <a:avLst/>
-          </a:prstGeom>
-          <a:noFill/>
-          <a:ln>
-            <a:noFill/>
-          </a:ln>
-          <a:extLst>
-            <a:ext uri="{909E8E84-426E-40DD-AFC4-6F175D3DCCD1}">
-              <a14:hiddenFill xmlns:a14="http://schemas.microsoft.com/office/drawing/2010/main">
-                <a:solidFill>
-                  <a:srgbClr val="FFFFFF"/>
-                </a:solidFill>
-              </a14:hiddenFill>
-            </a:ext>
-            <a:ext uri="{91240B29-F687-4F45-9708-019B960494DF}">
-              <a14:hiddenLine xmlns:a14="http://schemas.microsoft.com/office/drawing/2010/main" w="9525">
-                <a:solidFill>
-                  <a:srgbClr val="000000"/>
-                </a:solidFill>
-                <a:miter lim="800000"/>
-                <a:headEnd/>
-                <a:tailEnd/>
-              </a14:hiddenLine>
-            </a:ext>
-          </a:extLst>
-        </p:spPr>
-        <p:txBody>
-          <a:bodyPr wrap="none">
-            <a:spAutoFit/>
-          </a:bodyPr>
-          <a:lstStyle>
-            <a:lvl1pPr eaLnBrk="0" hangingPunct="0">
-              <a:defRPr>
-                <a:solidFill>
-                  <a:schemeClr val="tx1"/>
-                </a:solidFill>
-                <a:latin typeface="Arial" panose="020B0604020202020204" pitchFamily="34" charset="0"/>
-                <a:cs typeface="Arial" panose="020B0604020202020204" pitchFamily="34" charset="0"/>
-              </a:defRPr>
-            </a:lvl1pPr>
-            <a:lvl2pPr marL="742950" indent="-285750" eaLnBrk="0" hangingPunct="0">
-              <a:defRPr>
-                <a:solidFill>
-                  <a:schemeClr val="tx1"/>
-                </a:solidFill>
-                <a:latin typeface="Arial" panose="020B0604020202020204" pitchFamily="34" charset="0"/>
-                <a:cs typeface="Arial" panose="020B0604020202020204" pitchFamily="34" charset="0"/>
-              </a:defRPr>
-            </a:lvl2pPr>
-            <a:lvl3pPr marL="1143000" indent="-228600" eaLnBrk="0" hangingPunct="0">
-              <a:defRPr>
-                <a:solidFill>
-                  <a:schemeClr val="tx1"/>
-                </a:solidFill>
-                <a:latin typeface="Arial" panose="020B0604020202020204" pitchFamily="34" charset="0"/>
-                <a:cs typeface="Arial" panose="020B0604020202020204" pitchFamily="34" charset="0"/>
-              </a:defRPr>
-            </a:lvl3pPr>
-            <a:lvl4pPr marL="1600200" indent="-228600" eaLnBrk="0" hangingPunct="0">
-              <a:defRPr>
-                <a:solidFill>
-                  <a:schemeClr val="tx1"/>
-                </a:solidFill>
-                <a:latin typeface="Arial" panose="020B0604020202020204" pitchFamily="34" charset="0"/>
-                <a:cs typeface="Arial" panose="020B0604020202020204" pitchFamily="34" charset="0"/>
-              </a:defRPr>
-            </a:lvl4pPr>
-            <a:lvl5pPr marL="2057400" indent="-228600" eaLnBrk="0" hangingPunct="0">
-              <a:defRPr>
-                <a:solidFill>
-                  <a:schemeClr val="tx1"/>
-                </a:solidFill>
-                <a:latin typeface="Arial" panose="020B0604020202020204" pitchFamily="34" charset="0"/>
-                <a:cs typeface="Arial" panose="020B0604020202020204" pitchFamily="34" charset="0"/>
-              </a:defRPr>
-            </a:lvl5pPr>
-            <a:lvl6pPr marL="2514600" indent="-228600" eaLnBrk="0" fontAlgn="base" hangingPunct="0">
-              <a:spcBef>
-                <a:spcPct val="0"/>
-              </a:spcBef>
-              <a:spcAft>
-                <a:spcPct val="0"/>
-              </a:spcAft>
-              <a:buFont typeface="Arial" panose="020B0604020202020204" pitchFamily="34" charset="0"/>
-              <a:defRPr>
-                <a:solidFill>
-                  <a:schemeClr val="tx1"/>
-                </a:solidFill>
-                <a:latin typeface="Arial" panose="020B0604020202020204" pitchFamily="34" charset="0"/>
-                <a:cs typeface="Arial" panose="020B0604020202020204" pitchFamily="34" charset="0"/>
-              </a:defRPr>
-            </a:lvl6pPr>
-            <a:lvl7pPr marL="2971800" indent="-228600" eaLnBrk="0" fontAlgn="base" hangingPunct="0">
-              <a:spcBef>
-                <a:spcPct val="0"/>
-              </a:spcBef>
-              <a:spcAft>
-                <a:spcPct val="0"/>
-              </a:spcAft>
-              <a:buFont typeface="Arial" panose="020B0604020202020204" pitchFamily="34" charset="0"/>
-              <a:defRPr>
-                <a:solidFill>
-                  <a:schemeClr val="tx1"/>
-                </a:solidFill>
-                <a:latin typeface="Arial" panose="020B0604020202020204" pitchFamily="34" charset="0"/>
-                <a:cs typeface="Arial" panose="020B0604020202020204" pitchFamily="34" charset="0"/>
-              </a:defRPr>
-            </a:lvl7pPr>
-            <a:lvl8pPr marL="3429000" indent="-228600" eaLnBrk="0" fontAlgn="base" hangingPunct="0">
-              <a:spcBef>
-                <a:spcPct val="0"/>
-              </a:spcBef>
-              <a:spcAft>
-                <a:spcPct val="0"/>
-              </a:spcAft>
-              <a:buFont typeface="Arial" panose="020B0604020202020204" pitchFamily="34" charset="0"/>
-              <a:defRPr>
-                <a:solidFill>
-                  <a:schemeClr val="tx1"/>
-                </a:solidFill>
-                <a:latin typeface="Arial" panose="020B0604020202020204" pitchFamily="34" charset="0"/>
-                <a:cs typeface="Arial" panose="020B0604020202020204" pitchFamily="34" charset="0"/>
-              </a:defRPr>
-            </a:lvl8pPr>
-            <a:lvl9pPr marL="3886200" indent="-228600" eaLnBrk="0" fontAlgn="base" hangingPunct="0">
-              <a:spcBef>
-                <a:spcPct val="0"/>
-              </a:spcBef>
-              <a:spcAft>
-                <a:spcPct val="0"/>
-              </a:spcAft>
-              <a:buFont typeface="Arial" panose="020B0604020202020204" pitchFamily="34" charset="0"/>
-              <a:defRPr>
-                <a:solidFill>
-                  <a:schemeClr val="tx1"/>
-                </a:solidFill>
-                <a:latin typeface="Arial" panose="020B0604020202020204" pitchFamily="34" charset="0"/>
-                <a:cs typeface="Arial" panose="020B0604020202020204" pitchFamily="34" charset="0"/>
-              </a:defRPr>
-            </a:lvl9pPr>
-          </a:lstStyle>
-          <a:p>
-            <a:pPr eaLnBrk="1" hangingPunct="1"/>
-            <a:r>
-              <a:rPr lang="id-ID" altLang="en-US" sz="2000">
-                <a:solidFill>
-                  <a:schemeClr val="bg1"/>
-                </a:solidFill>
-                <a:latin typeface="Segoe UI Emoji" charset="0"/>
-              </a:rPr>
-              <a:t>terimakasih.</a:t>
-            </a:r>
-            <a:endParaRPr lang="id-ID" altLang="en-US"/>
-          </a:p>
-        </p:txBody>
-      </p:sp>
-    </p:spTree>
-    <p:extLst>
-      <p:ext uri="{BB962C8B-B14F-4D97-AF65-F5344CB8AC3E}">
-        <p14:creationId xmlns:p14="http://schemas.microsoft.com/office/powerpoint/2010/main" val="891493622"/>
-      </p:ext>
-    </p:extLst>
-  </p:cSld>
-  <p:clrMapOvr>
-    <a:masterClrMapping/>
-  </p:clrMapOvr>
-</p:sldLayout>
-</file>
-
-<file path=ppt/slideLayouts/slideLayout8.xml><?xml version="1.0" encoding="utf-8"?>
-<p:sldLayout xmlns:a="http://schemas.openxmlformats.org/drawingml/2006/main" xmlns:r="http://schemas.openxmlformats.org/officeDocument/2006/relationships" xmlns:p="http://schemas.openxmlformats.org/presentationml/2006/main" type="objTx" preserve="1">
-  <p:cSld name="Content with Caption">
-    <p:spTree>
-      <p:nvGrpSpPr>
-        <p:cNvPr id="1" name=""/>
-        <p:cNvGrpSpPr/>
-        <p:nvPr/>
-      </p:nvGrpSpPr>
-      <p:grpSpPr>
-        <a:xfrm>
-          <a:off x="0" y="0"/>
-          <a:ext cx="0" cy="0"/>
-          <a:chOff x="0" y="0"/>
-          <a:chExt cx="0" cy="0"/>
-        </a:xfrm>
-      </p:grpSpPr>
-      <p:sp>
-        <p:nvSpPr>
-          <p:cNvPr id="2" name="Title 1"/>
-          <p:cNvSpPr>
-            <a:spLocks noGrp="1"/>
-          </p:cNvSpPr>
-          <p:nvPr>
-            <p:ph type="title"/>
-          </p:nvPr>
-        </p:nvSpPr>
-        <p:spPr>
-          <a:xfrm>
-            <a:off x="629841" y="457200"/>
-            <a:ext cx="2949178" cy="1600200"/>
-          </a:xfrm>
-        </p:spPr>
-        <p:txBody>
-          <a:bodyPr anchor="b"/>
-          <a:lstStyle>
-            <a:lvl1pPr>
-              <a:defRPr sz="3200"/>
-            </a:lvl1pPr>
-          </a:lstStyle>
-          <a:p>
-            <a:r>
-              <a:rPr lang="en-US" smtClean="0"/>
-              <a:t>Click to edit Master title style</a:t>
-            </a:r>
-            <a:endParaRPr lang="en-US" dirty="0"/>
-          </a:p>
-        </p:txBody>
-      </p:sp>
-      <p:sp>
-        <p:nvSpPr>
-          <p:cNvPr id="3" name="Content Placeholder 2"/>
-          <p:cNvSpPr>
-            <a:spLocks noGrp="1"/>
-          </p:cNvSpPr>
-          <p:nvPr>
-            <p:ph idx="1"/>
-          </p:nvPr>
-        </p:nvSpPr>
-        <p:spPr>
-          <a:xfrm>
-            <a:off x="3887391" y="987426"/>
-            <a:ext cx="4629150" cy="4873625"/>
-          </a:xfrm>
-        </p:spPr>
-        <p:txBody>
-          <a:bodyPr/>
-          <a:lstStyle>
-            <a:lvl1pPr>
-              <a:defRPr sz="3200"/>
-            </a:lvl1pPr>
-            <a:lvl2pPr>
-              <a:defRPr sz="2800"/>
-            </a:lvl2pPr>
-            <a:lvl3pPr>
-              <a:defRPr sz="2400"/>
-            </a:lvl3pPr>
-            <a:lvl4pPr>
-              <a:defRPr sz="2000"/>
-            </a:lvl4pPr>
-            <a:lvl5pPr>
-              <a:defRPr sz="2000"/>
-            </a:lvl5pPr>
-            <a:lvl6pPr>
-              <a:defRPr sz="2000"/>
-            </a:lvl6pPr>
-            <a:lvl7pPr>
-              <a:defRPr sz="2000"/>
-            </a:lvl7pPr>
-            <a:lvl8pPr>
-              <a:defRPr sz="2000"/>
-            </a:lvl8pPr>
-            <a:lvl9pPr>
-              <a:defRPr sz="2000"/>
-            </a:lvl9pPr>
-          </a:lstStyle>
-          <a:p>
-            <a:pPr lvl="0"/>
-            <a:r>
-              <a:rPr lang="en-US" smtClean="0"/>
-              <a:t>Click to edit Master text styles</a:t>
-            </a:r>
-          </a:p>
-          <a:p>
-            <a:pPr lvl="1"/>
-            <a:r>
-              <a:rPr lang="en-US" smtClean="0"/>
-              <a:t>Second level</a:t>
-            </a:r>
-          </a:p>
-          <a:p>
-            <a:pPr lvl="2"/>
-            <a:r>
-              <a:rPr lang="en-US" smtClean="0"/>
-              <a:t>Third level</a:t>
-            </a:r>
-          </a:p>
-          <a:p>
-            <a:pPr lvl="3"/>
-            <a:r>
-              <a:rPr lang="en-US" smtClean="0"/>
-              <a:t>Fourth level</a:t>
-            </a:r>
-          </a:p>
-          <a:p>
-            <a:pPr lvl="4"/>
-            <a:r>
-              <a:rPr lang="en-US" smtClean="0"/>
-              <a:t>Fifth level</a:t>
-            </a:r>
-            <a:endParaRPr lang="en-US" dirty="0"/>
-          </a:p>
-        </p:txBody>
-      </p:sp>
-      <p:sp>
-        <p:nvSpPr>
-          <p:cNvPr id="4" name="Text Placeholder 3"/>
-          <p:cNvSpPr>
-            <a:spLocks noGrp="1"/>
-          </p:cNvSpPr>
-          <p:nvPr>
-            <p:ph type="body" sz="half" idx="2"/>
-          </p:nvPr>
-        </p:nvSpPr>
-        <p:spPr>
-          <a:xfrm>
-            <a:off x="629841" y="2057400"/>
-            <a:ext cx="2949178" cy="3811588"/>
-          </a:xfrm>
-        </p:spPr>
-        <p:txBody>
-          <a:bodyPr/>
-          <a:lstStyle>
-            <a:lvl1pPr marL="0" indent="0">
-              <a:buNone/>
-              <a:defRPr sz="1600"/>
-            </a:lvl1pPr>
-            <a:lvl2pPr marL="457200" indent="0">
-              <a:buNone/>
-              <a:defRPr sz="1400"/>
-            </a:lvl2pPr>
-            <a:lvl3pPr marL="914400" indent="0">
-              <a:buNone/>
-              <a:defRPr sz="1200"/>
-            </a:lvl3pPr>
-            <a:lvl4pPr marL="1371600" indent="0">
-              <a:buNone/>
-              <a:defRPr sz="1000"/>
-            </a:lvl4pPr>
-            <a:lvl5pPr marL="1828800" indent="0">
-              <a:buNone/>
-              <a:defRPr sz="1000"/>
-            </a:lvl5pPr>
-            <a:lvl6pPr marL="2286000" indent="0">
-              <a:buNone/>
-              <a:defRPr sz="1000"/>
-            </a:lvl6pPr>
-            <a:lvl7pPr marL="2743200" indent="0">
-              <a:buNone/>
-              <a:defRPr sz="1000"/>
-            </a:lvl7pPr>
-            <a:lvl8pPr marL="3200400" indent="0">
-              <a:buNone/>
-              <a:defRPr sz="1000"/>
-            </a:lvl8pPr>
-            <a:lvl9pPr marL="3657600" indent="0">
-              <a:buNone/>
-              <a:defRPr sz="1000"/>
-            </a:lvl9pPr>
-          </a:lstStyle>
-          <a:p>
-            <a:pPr lvl="0"/>
-            <a:r>
-              <a:rPr lang="en-US" smtClean="0"/>
-              <a:t>Click to edit Master text styles</a:t>
-            </a:r>
-          </a:p>
-        </p:txBody>
-      </p:sp>
-      <p:sp>
-        <p:nvSpPr>
-          <p:cNvPr id="5" name="Date Placeholder 4"/>
-          <p:cNvSpPr>
-            <a:spLocks noGrp="1"/>
-          </p:cNvSpPr>
-          <p:nvPr>
-            <p:ph type="dt" sz="half" idx="10"/>
-          </p:nvPr>
-        </p:nvSpPr>
-        <p:spPr/>
-        <p:txBody>
-          <a:bodyPr/>
-          <a:lstStyle/>
-          <a:p>
-            <a:fld id="{9CF5CD90-02D5-42B5-9671-27390D51D186}" type="datetimeFigureOut">
-              <a:rPr lang="en-US" smtClean="0"/>
-              <a:t>2/1/2015</a:t>
-            </a:fld>
-            <a:endParaRPr lang="en-US"/>
-          </a:p>
-        </p:txBody>
-      </p:sp>
-      <p:sp>
-        <p:nvSpPr>
-          <p:cNvPr id="6" name="Footer Placeholder 5"/>
-          <p:cNvSpPr>
-            <a:spLocks noGrp="1"/>
-          </p:cNvSpPr>
-          <p:nvPr>
-            <p:ph type="ftr" sz="quarter" idx="11"/>
-          </p:nvPr>
-        </p:nvSpPr>
-        <p:spPr/>
-        <p:txBody>
-          <a:bodyPr/>
-          <a:lstStyle/>
-          <a:p>
-            <a:endParaRPr lang="en-US"/>
-          </a:p>
-        </p:txBody>
-      </p:sp>
-      <p:sp>
-        <p:nvSpPr>
-          <p:cNvPr id="7" name="Slide Number Placeholder 6"/>
-          <p:cNvSpPr>
-            <a:spLocks noGrp="1"/>
-          </p:cNvSpPr>
-          <p:nvPr>
-            <p:ph type="sldNum" sz="quarter" idx="12"/>
-          </p:nvPr>
-        </p:nvSpPr>
-        <p:spPr/>
-        <p:txBody>
-          <a:bodyPr/>
-          <a:lstStyle/>
-          <a:p>
-            <a:fld id="{42E042FC-BE89-4002-A595-47B9A1F4C487}" type="slidenum">
-              <a:rPr lang="en-US" smtClean="0"/>
-              <a:t>‹#›</a:t>
-            </a:fld>
-            <a:endParaRPr lang="en-US"/>
-          </a:p>
-        </p:txBody>
-      </p:sp>
-    </p:spTree>
-    <p:extLst>
-      <p:ext uri="{BB962C8B-B14F-4D97-AF65-F5344CB8AC3E}">
-        <p14:creationId xmlns:p14="http://schemas.microsoft.com/office/powerpoint/2010/main" val="355243107"/>
-      </p:ext>
-    </p:extLst>
-  </p:cSld>
-  <p:clrMapOvr>
-    <a:masterClrMapping/>
-  </p:clrMapOvr>
-</p:sldLayout>
-</file>
-
-<file path=ppt/slideLayouts/slideLayout9.xml><?xml version="1.0" encoding="utf-8"?>
-<p:sldLayout xmlns:a="http://schemas.openxmlformats.org/drawingml/2006/main" xmlns:r="http://schemas.openxmlformats.org/officeDocument/2006/relationships" xmlns:p="http://schemas.openxmlformats.org/presentationml/2006/main" type="picTx" preserve="1">
-  <p:cSld name="Picture with Caption">
-    <p:spTree>
-      <p:nvGrpSpPr>
-        <p:cNvPr id="1" name=""/>
-        <p:cNvGrpSpPr/>
-        <p:nvPr/>
-      </p:nvGrpSpPr>
-      <p:grpSpPr>
-        <a:xfrm>
-          <a:off x="0" y="0"/>
-          <a:ext cx="0" cy="0"/>
-          <a:chOff x="0" y="0"/>
-          <a:chExt cx="0" cy="0"/>
-        </a:xfrm>
-      </p:grpSpPr>
-      <p:sp>
-        <p:nvSpPr>
-          <p:cNvPr id="2" name="Title 1"/>
-          <p:cNvSpPr>
-            <a:spLocks noGrp="1"/>
-          </p:cNvSpPr>
-          <p:nvPr>
-            <p:ph type="title"/>
-          </p:nvPr>
-        </p:nvSpPr>
-        <p:spPr>
-          <a:xfrm>
-            <a:off x="629841" y="457200"/>
-            <a:ext cx="2949178" cy="1600200"/>
-          </a:xfrm>
-        </p:spPr>
-        <p:txBody>
-          <a:bodyPr anchor="b"/>
-          <a:lstStyle>
-            <a:lvl1pPr>
-              <a:defRPr sz="3200"/>
-            </a:lvl1pPr>
-          </a:lstStyle>
-          <a:p>
-            <a:r>
-              <a:rPr lang="en-US" smtClean="0"/>
-              <a:t>Click to edit Master title style</a:t>
-            </a:r>
-            <a:endParaRPr lang="en-US" dirty="0"/>
-          </a:p>
-        </p:txBody>
-      </p:sp>
-      <p:sp>
-        <p:nvSpPr>
-          <p:cNvPr id="3" name="Picture Placeholder 2"/>
-          <p:cNvSpPr>
-            <a:spLocks noGrp="1" noChangeAspect="1"/>
-          </p:cNvSpPr>
-          <p:nvPr>
-            <p:ph type="pic" idx="1"/>
-          </p:nvPr>
-        </p:nvSpPr>
-        <p:spPr>
-          <a:xfrm>
-            <a:off x="3887391" y="987426"/>
-            <a:ext cx="4629150" cy="4873625"/>
-          </a:xfrm>
-        </p:spPr>
-        <p:txBody>
-          <a:bodyPr anchor="t"/>
-          <a:lstStyle>
-            <a:lvl1pPr marL="0" indent="0">
-              <a:buNone/>
-              <a:defRPr sz="3200"/>
-            </a:lvl1pPr>
-            <a:lvl2pPr marL="457200" indent="0">
-              <a:buNone/>
-              <a:defRPr sz="2800"/>
-            </a:lvl2pPr>
-            <a:lvl3pPr marL="914400" indent="0">
-              <a:buNone/>
-              <a:defRPr sz="2400"/>
-            </a:lvl3pPr>
-            <a:lvl4pPr marL="1371600" indent="0">
-              <a:buNone/>
-              <a:defRPr sz="2000"/>
-            </a:lvl4pPr>
-            <a:lvl5pPr marL="1828800" indent="0">
-              <a:buNone/>
-              <a:defRPr sz="2000"/>
-            </a:lvl5pPr>
-            <a:lvl6pPr marL="2286000" indent="0">
-              <a:buNone/>
-              <a:defRPr sz="2000"/>
-            </a:lvl6pPr>
-            <a:lvl7pPr marL="2743200" indent="0">
-              <a:buNone/>
-              <a:defRPr sz="2000"/>
-            </a:lvl7pPr>
-            <a:lvl8pPr marL="3200400" indent="0">
-              <a:buNone/>
-              <a:defRPr sz="2000"/>
-            </a:lvl8pPr>
-            <a:lvl9pPr marL="3657600" indent="0">
-              <a:buNone/>
-              <a:defRPr sz="2000"/>
-            </a:lvl9pPr>
-          </a:lstStyle>
-          <a:p>
-            <a:r>
-              <a:rPr lang="en-US" smtClean="0"/>
-              <a:t>Click icon to add picture</a:t>
-            </a:r>
-            <a:endParaRPr lang="en-US" dirty="0"/>
-          </a:p>
-        </p:txBody>
-      </p:sp>
-      <p:sp>
-        <p:nvSpPr>
-          <p:cNvPr id="4" name="Text Placeholder 3"/>
-          <p:cNvSpPr>
-            <a:spLocks noGrp="1"/>
-          </p:cNvSpPr>
-          <p:nvPr>
-            <p:ph type="body" sz="half" idx="2"/>
-          </p:nvPr>
-        </p:nvSpPr>
-        <p:spPr>
-          <a:xfrm>
-            <a:off x="629841" y="2057400"/>
-            <a:ext cx="2949178" cy="3811588"/>
-          </a:xfrm>
-        </p:spPr>
-        <p:txBody>
-          <a:bodyPr/>
-          <a:lstStyle>
-            <a:lvl1pPr marL="0" indent="0">
-              <a:buNone/>
-              <a:defRPr sz="1600"/>
-            </a:lvl1pPr>
-            <a:lvl2pPr marL="457200" indent="0">
-              <a:buNone/>
-              <a:defRPr sz="1400"/>
-            </a:lvl2pPr>
-            <a:lvl3pPr marL="914400" indent="0">
-              <a:buNone/>
-              <a:defRPr sz="1200"/>
-            </a:lvl3pPr>
-            <a:lvl4pPr marL="1371600" indent="0">
-              <a:buNone/>
-              <a:defRPr sz="1000"/>
-            </a:lvl4pPr>
-            <a:lvl5pPr marL="1828800" indent="0">
-              <a:buNone/>
-              <a:defRPr sz="1000"/>
-            </a:lvl5pPr>
-            <a:lvl6pPr marL="2286000" indent="0">
-              <a:buNone/>
-              <a:defRPr sz="1000"/>
-            </a:lvl6pPr>
-            <a:lvl7pPr marL="2743200" indent="0">
-              <a:buNone/>
-              <a:defRPr sz="1000"/>
-            </a:lvl7pPr>
-            <a:lvl8pPr marL="3200400" indent="0">
-              <a:buNone/>
-              <a:defRPr sz="1000"/>
-            </a:lvl8pPr>
-            <a:lvl9pPr marL="3657600" indent="0">
-              <a:buNone/>
-              <a:defRPr sz="1000"/>
-            </a:lvl9pPr>
-          </a:lstStyle>
-          <a:p>
-            <a:pPr lvl="0"/>
-            <a:r>
-              <a:rPr lang="en-US" smtClean="0"/>
-              <a:t>Click to edit Master text styles</a:t>
-            </a:r>
-          </a:p>
-        </p:txBody>
-      </p:sp>
-      <p:sp>
-        <p:nvSpPr>
-          <p:cNvPr id="5" name="Date Placeholder 4"/>
-          <p:cNvSpPr>
-            <a:spLocks noGrp="1"/>
-          </p:cNvSpPr>
-          <p:nvPr>
-            <p:ph type="dt" sz="half" idx="10"/>
-          </p:nvPr>
-        </p:nvSpPr>
-        <p:spPr/>
-        <p:txBody>
-          <a:bodyPr/>
-          <a:lstStyle/>
-          <a:p>
-            <a:fld id="{9CF5CD90-02D5-42B5-9671-27390D51D186}" type="datetimeFigureOut">
-              <a:rPr lang="en-US" smtClean="0"/>
-              <a:t>2/1/2015</a:t>
-            </a:fld>
-            <a:endParaRPr lang="en-US"/>
-          </a:p>
-        </p:txBody>
-      </p:sp>
-      <p:sp>
-        <p:nvSpPr>
-          <p:cNvPr id="6" name="Footer Placeholder 5"/>
-          <p:cNvSpPr>
-            <a:spLocks noGrp="1"/>
-          </p:cNvSpPr>
-          <p:nvPr>
-            <p:ph type="ftr" sz="quarter" idx="11"/>
-          </p:nvPr>
-        </p:nvSpPr>
-        <p:spPr/>
-        <p:txBody>
-          <a:bodyPr/>
-          <a:lstStyle/>
-          <a:p>
-            <a:endParaRPr lang="en-US"/>
-          </a:p>
-        </p:txBody>
-      </p:sp>
-      <p:sp>
-        <p:nvSpPr>
-          <p:cNvPr id="7" name="Slide Number Placeholder 6"/>
-          <p:cNvSpPr>
-            <a:spLocks noGrp="1"/>
-          </p:cNvSpPr>
-          <p:nvPr>
-            <p:ph type="sldNum" sz="quarter" idx="12"/>
-          </p:nvPr>
-        </p:nvSpPr>
-        <p:spPr/>
-        <p:txBody>
-          <a:bodyPr/>
-          <a:lstStyle/>
-          <a:p>
-            <a:fld id="{42E042FC-BE89-4002-A595-47B9A1F4C487}" type="slidenum">
-              <a:rPr lang="en-US" smtClean="0"/>
-              <a:t>‹#›</a:t>
-            </a:fld>
-            <a:endParaRPr lang="en-US"/>
-          </a:p>
-        </p:txBody>
-      </p:sp>
-    </p:spTree>
-    <p:extLst>
-      <p:ext uri="{BB962C8B-B14F-4D97-AF65-F5344CB8AC3E}">
-        <p14:creationId xmlns:p14="http://schemas.microsoft.com/office/powerpoint/2010/main" val="2743542693"/>
       </p:ext>
     </p:extLst>
   </p:cSld>
@@ -3254,7 +4039,7 @@
           <a:lstStyle/>
           <a:p>
             <a:r>
-              <a:rPr lang="en-US" smtClean="0"/>
+              <a:rPr lang="en-US"/>
               <a:t>Click to edit Master title style</a:t>
             </a:r>
             <a:endParaRPr lang="en-US" dirty="0"/>
@@ -3288,35 +4073,35 @@
           <a:p>
             <a:pPr lvl="0"/>
             <a:r>
-              <a:rPr lang="en-US" smtClean="0"/>
+              <a:rPr lang="en-US"/>
               <a:t>Click to edit Master text styles</a:t>
             </a:r>
           </a:p>
           <a:p>
             <a:pPr lvl="1"/>
             <a:r>
-              <a:rPr lang="en-US" smtClean="0"/>
+              <a:rPr lang="en-US"/>
               <a:t>Second level</a:t>
             </a:r>
           </a:p>
           <a:p>
             <a:pPr lvl="2"/>
             <a:r>
-              <a:rPr lang="en-US" smtClean="0"/>
+              <a:rPr lang="en-US"/>
               <a:t>Third level</a:t>
             </a:r>
           </a:p>
           <a:p>
             <a:pPr lvl="3"/>
             <a:r>
-              <a:rPr lang="en-US" smtClean="0"/>
+              <a:rPr lang="en-US"/>
               <a:t>Fourth level</a:t>
             </a:r>
           </a:p>
           <a:p>
             <a:pPr lvl="4"/>
             <a:r>
-              <a:rPr lang="en-US" smtClean="0"/>
+              <a:rPr lang="en-US"/>
               <a:t>Fifth level</a:t>
             </a:r>
             <a:endParaRPr lang="en-US" dirty="0"/>
@@ -3358,7 +4143,7 @@
           <a:p>
             <a:fld id="{9CF5CD90-02D5-42B5-9671-27390D51D186}" type="datetimeFigureOut">
               <a:rPr lang="en-US" smtClean="0"/>
-              <a:t>2/1/2015</a:t>
+              <a:t>1/9/19</a:t>
             </a:fld>
             <a:endParaRPr lang="en-US"/>
           </a:p>
@@ -3451,7 +4236,7 @@
           <p:nvPr userDrawn="1"/>
         </p:nvPicPr>
         <p:blipFill>
-          <a:blip r:embed="rId13">
+          <a:blip r:embed="rId16">
             <a:extLst>
               <a:ext uri="{28A0092B-C50C-407E-A947-70E740481C1C}">
                 <a14:useLocalDpi xmlns:a14="http://schemas.microsoft.com/office/drawing/2010/main" val="0"/>
@@ -3506,16 +4291,19 @@
   <p:clrMap bg1="lt1" tx1="dk1" bg2="lt2" tx2="dk2" accent1="accent1" accent2="accent2" accent3="accent3" accent4="accent4" accent5="accent5" accent6="accent6" hlink="hlink" folHlink="folHlink"/>
   <p:sldLayoutIdLst>
     <p:sldLayoutId id="2147483661" r:id="rId1"/>
-    <p:sldLayoutId id="2147483662" r:id="rId2"/>
-    <p:sldLayoutId id="2147483663" r:id="rId3"/>
-    <p:sldLayoutId id="2147483664" r:id="rId4"/>
-    <p:sldLayoutId id="2147483665" r:id="rId5"/>
-    <p:sldLayoutId id="2147483666" r:id="rId6"/>
-    <p:sldLayoutId id="2147483667" r:id="rId7"/>
-    <p:sldLayoutId id="2147483668" r:id="rId8"/>
-    <p:sldLayoutId id="2147483669" r:id="rId9"/>
-    <p:sldLayoutId id="2147483670" r:id="rId10"/>
-    <p:sldLayoutId id="2147483671" r:id="rId11"/>
+    <p:sldLayoutId id="2147483672" r:id="rId2"/>
+    <p:sldLayoutId id="2147483673" r:id="rId3"/>
+    <p:sldLayoutId id="2147483674" r:id="rId4"/>
+    <p:sldLayoutId id="2147483667" r:id="rId5"/>
+    <p:sldLayoutId id="2147483662" r:id="rId6"/>
+    <p:sldLayoutId id="2147483663" r:id="rId7"/>
+    <p:sldLayoutId id="2147483664" r:id="rId8"/>
+    <p:sldLayoutId id="2147483665" r:id="rId9"/>
+    <p:sldLayoutId id="2147483666" r:id="rId10"/>
+    <p:sldLayoutId id="2147483668" r:id="rId11"/>
+    <p:sldLayoutId id="2147483669" r:id="rId12"/>
+    <p:sldLayoutId id="2147483670" r:id="rId13"/>
+    <p:sldLayoutId id="2147483671" r:id="rId14"/>
   </p:sldLayoutIdLst>
   <p:txStyles>
     <p:titleStyle>
